--- a/Docs/Data Extraction for the Quantified Self v2.pptx
+++ b/Docs/Data Extraction for the Quantified Self v2.pptx
@@ -2875,7 +2875,7 @@
           <a:p>
             <a:fld id="{9284C280-8E67-4809-8607-67EF543FE5FF}" type="datetimeFigureOut">
               <a:rPr lang="en-US" smtClean="0"/>
-              <a:t>7/14/2013</a:t>
+              <a:t>7/15/2013</a:t>
             </a:fld>
             <a:endParaRPr lang="en-US"/>
           </a:p>
@@ -3160,7 +3160,7 @@
           <a:p>
             <a:fld id="{9284C280-8E67-4809-8607-67EF543FE5FF}" type="datetimeFigureOut">
               <a:rPr lang="en-US" smtClean="0"/>
-              <a:t>7/14/2013</a:t>
+              <a:t>7/15/2013</a:t>
             </a:fld>
             <a:endParaRPr lang="en-US"/>
           </a:p>
@@ -3335,7 +3335,7 @@
           <a:p>
             <a:fld id="{9284C280-8E67-4809-8607-67EF543FE5FF}" type="datetimeFigureOut">
               <a:rPr lang="en-US" smtClean="0"/>
-              <a:t>7/14/2013</a:t>
+              <a:t>7/15/2013</a:t>
             </a:fld>
             <a:endParaRPr lang="en-US"/>
           </a:p>
@@ -3500,7 +3500,7 @@
           <a:p>
             <a:fld id="{9284C280-8E67-4809-8607-67EF543FE5FF}" type="datetimeFigureOut">
               <a:rPr lang="en-US" smtClean="0"/>
-              <a:t>7/14/2013</a:t>
+              <a:t>7/15/2013</a:t>
             </a:fld>
             <a:endParaRPr lang="en-US"/>
           </a:p>
@@ -3741,7 +3741,7 @@
           <a:p>
             <a:fld id="{9284C280-8E67-4809-8607-67EF543FE5FF}" type="datetimeFigureOut">
               <a:rPr lang="en-US" smtClean="0"/>
-              <a:t>7/14/2013</a:t>
+              <a:t>7/15/2013</a:t>
             </a:fld>
             <a:endParaRPr lang="en-US"/>
           </a:p>
@@ -3854,7 +3854,7 @@
           <a:p>
             <a:fld id="{9284C280-8E67-4809-8607-67EF543FE5FF}" type="datetimeFigureOut">
               <a:rPr lang="en-US" smtClean="0"/>
-              <a:t>7/14/2013</a:t>
+              <a:t>7/15/2013</a:t>
             </a:fld>
             <a:endParaRPr lang="en-US"/>
           </a:p>
@@ -4393,7 +4393,7 @@
           <a:p>
             <a:fld id="{9284C280-8E67-4809-8607-67EF543FE5FF}" type="datetimeFigureOut">
               <a:rPr lang="en-US" smtClean="0"/>
-              <a:t>7/14/2013</a:t>
+              <a:t>7/15/2013</a:t>
             </a:fld>
             <a:endParaRPr lang="en-US"/>
           </a:p>
@@ -4506,7 +4506,7 @@
           <a:p>
             <a:fld id="{9284C280-8E67-4809-8607-67EF543FE5FF}" type="datetimeFigureOut">
               <a:rPr lang="en-US" smtClean="0"/>
-              <a:t>7/14/2013</a:t>
+              <a:t>7/15/2013</a:t>
             </a:fld>
             <a:endParaRPr lang="en-US"/>
           </a:p>
@@ -4596,7 +4596,7 @@
           <a:p>
             <a:fld id="{9284C280-8E67-4809-8607-67EF543FE5FF}" type="datetimeFigureOut">
               <a:rPr lang="en-US" smtClean="0"/>
-              <a:t>7/14/2013</a:t>
+              <a:t>7/15/2013</a:t>
             </a:fld>
             <a:endParaRPr lang="en-US"/>
           </a:p>
@@ -7247,7 +7247,7 @@
           <a:p>
             <a:fld id="{9284C280-8E67-4809-8607-67EF543FE5FF}" type="datetimeFigureOut">
               <a:rPr lang="en-US" smtClean="0"/>
-              <a:t>7/14/2013</a:t>
+              <a:t>7/15/2013</a:t>
             </a:fld>
             <a:endParaRPr lang="en-US"/>
           </a:p>
@@ -10459,7 +10459,7 @@
           <a:p>
             <a:fld id="{9284C280-8E67-4809-8607-67EF543FE5FF}" type="datetimeFigureOut">
               <a:rPr lang="en-US" smtClean="0"/>
-              <a:t>7/14/2013</a:t>
+              <a:t>7/15/2013</a:t>
             </a:fld>
             <a:endParaRPr lang="en-US"/>
           </a:p>
@@ -13281,7 +13281,7 @@
           <a:p>
             <a:fld id="{9284C280-8E67-4809-8607-67EF543FE5FF}" type="datetimeFigureOut">
               <a:rPr lang="en-US" smtClean="0"/>
-              <a:t>7/14/2013</a:t>
+              <a:t>7/15/2013</a:t>
             </a:fld>
             <a:endParaRPr lang="en-US"/>
           </a:p>
@@ -13984,6 +13984,13 @@
   <p:clrMapOvr>
     <a:masterClrMapping/>
   </p:clrMapOvr>
+  <p:timing>
+    <p:tnLst>
+      <p:par>
+        <p:cTn id="1" dur="indefinite" restart="never" nodeType="tmRoot"/>
+      </p:par>
+    </p:tnLst>
+  </p:timing>
 </p:sld>
 </file>
 
@@ -14029,15 +14036,7 @@
             <a:pPr algn="ctr"/>
             <a:r>
               <a:rPr lang="en-US" dirty="0" smtClean="0"/>
-              <a:t>Thank you </a:t>
-            </a:r>
-            <a:r>
-              <a:rPr lang="en-US" dirty="0" smtClean="0"/>
-              <a:t>for </a:t>
-            </a:r>
-            <a:r>
-              <a:rPr lang="en-US" dirty="0" smtClean="0"/>
-              <a:t>attention</a:t>
+              <a:t>Thank you for attention</a:t>
             </a:r>
             <a:endParaRPr lang="en-US" dirty="0"/>
           </a:p>
@@ -14134,25 +14133,8 @@
             </a:pPr>
             <a:r>
               <a:rPr lang="en-US" dirty="0" smtClean="0"/>
-              <a:t>Measurement </a:t>
+              <a:t>Measurement of human’s indoor movements is useful for analyzing treatment progress of depressed people. It shows how actively person behaves, and gives objective view of his or her psychological condition.</a:t>
             </a:r>
-            <a:r>
-              <a:rPr lang="en-US" dirty="0" smtClean="0"/>
-              <a:t>of human’s indoor </a:t>
-            </a:r>
-            <a:r>
-              <a:rPr lang="en-US" dirty="0" smtClean="0"/>
-              <a:t>movements is </a:t>
-            </a:r>
-            <a:r>
-              <a:rPr lang="en-US" dirty="0" smtClean="0"/>
-              <a:t>useful for analyzing treatment progress of depressed people. It shows how actively person behaves, and gives objective view of his or her psychological condition</a:t>
-            </a:r>
-            <a:r>
-              <a:rPr lang="en-US" dirty="0" smtClean="0"/>
-              <a:t>.</a:t>
-            </a:r>
-            <a:endParaRPr lang="en-US" dirty="0" smtClean="0"/>
           </a:p>
         </p:txBody>
       </p:sp>
@@ -14383,15 +14365,7 @@
             </a:pPr>
             <a:r>
               <a:rPr lang="en-US" dirty="0" smtClean="0"/>
-              <a:t>Analysis of surrounding </a:t>
-            </a:r>
-            <a:r>
-              <a:rPr lang="en-US" dirty="0" smtClean="0"/>
-              <a:t>Wi-Fi networks to retrieve person’s indoor </a:t>
-            </a:r>
-            <a:r>
-              <a:rPr lang="en-US" dirty="0" smtClean="0"/>
-              <a:t>position:</a:t>
+              <a:t>Analysis of surrounding Wi-Fi networks to retrieve person’s indoor position:</a:t>
             </a:r>
           </a:p>
           <a:p>
@@ -14406,27 +14380,7 @@
             </a:r>
             <a:r>
               <a:rPr lang="en-US" sz="2000" dirty="0" smtClean="0"/>
-              <a:t>each network carries partial information about where </a:t>
-            </a:r>
-            <a:r>
-              <a:rPr lang="en-US" sz="2000" dirty="0" smtClean="0"/>
-              <a:t>smartphone </a:t>
-            </a:r>
-            <a:r>
-              <a:rPr lang="en-US" sz="2000" dirty="0" smtClean="0"/>
-              <a:t>is </a:t>
-            </a:r>
-            <a:r>
-              <a:rPr lang="en-US" sz="2000" dirty="0" smtClean="0"/>
-              <a:t>located at </a:t>
-            </a:r>
-            <a:r>
-              <a:rPr lang="en-US" sz="2000" dirty="0" smtClean="0"/>
-              <a:t>the </a:t>
-            </a:r>
-            <a:r>
-              <a:rPr lang="en-US" sz="2000" dirty="0" smtClean="0"/>
-              <a:t>moment;</a:t>
+              <a:t>each network carries partial information about where smartphone is located at the moment;</a:t>
             </a:r>
           </a:p>
           <a:p>
@@ -14437,23 +14391,15 @@
             </a:r>
             <a:r>
               <a:rPr lang="en-US" sz="2000" dirty="0" smtClean="0"/>
-              <a:t>ombining </a:t>
+              <a:t>ombining this information we </a:t>
             </a:r>
             <a:r>
               <a:rPr lang="en-US" sz="2000" dirty="0" smtClean="0"/>
-              <a:t>this information </a:t>
-            </a:r>
-            <a:r>
-              <a:rPr lang="en-US" sz="2000" smtClean="0"/>
-              <a:t>we </a:t>
-            </a:r>
-            <a:r>
-              <a:rPr lang="en-US" sz="2000" smtClean="0"/>
-              <a:t>compute </a:t>
+              <a:t>infer person’s </a:t>
             </a:r>
             <a:r>
               <a:rPr lang="en-US" sz="2000" dirty="0" smtClean="0"/>
-              <a:t>person’s position.</a:t>
+              <a:t>position.</a:t>
             </a:r>
             <a:endParaRPr lang="en-US" sz="2000" dirty="0"/>
           </a:p>
@@ -14732,7 +14678,7 @@
       </p:sp>
       <p:pic>
         <p:nvPicPr>
-          <p:cNvPr id="4" name="Content Placeholder 3"/>
+          <p:cNvPr id="5" name="Content Placeholder 4"/>
           <p:cNvPicPr>
             <a:picLocks noGrp="1" noChangeAspect="1"/>
           </p:cNvPicPr>
@@ -14754,8 +14700,8 @@
         </p:blipFill>
         <p:spPr>
           <a:xfrm>
-            <a:off x="1475656" y="2204864"/>
-            <a:ext cx="6409098" cy="3960440"/>
+            <a:off x="971600" y="2276872"/>
+            <a:ext cx="7215960" cy="3672408"/>
           </a:xfrm>
         </p:spPr>
       </p:pic>
@@ -14854,13 +14800,12 @@
               <a:rPr lang="en-US" dirty="0"/>
               <a:t>is lightweight Java neural network framework to develop common neural network architectures.</a:t>
             </a:r>
-            <a:endParaRPr lang="en-US" dirty="0"/>
           </a:p>
         </p:txBody>
       </p:sp>
       <p:pic>
         <p:nvPicPr>
-          <p:cNvPr id="6" name="Picture 5"/>
+          <p:cNvPr id="4" name="Picture 3"/>
           <p:cNvPicPr>
             <a:picLocks noChangeAspect="1"/>
           </p:cNvPicPr>
@@ -14880,8 +14825,8 @@
         </p:blipFill>
         <p:spPr>
           <a:xfrm>
-            <a:off x="4860032" y="4149080"/>
-            <a:ext cx="3168352" cy="1710910"/>
+            <a:off x="2771800" y="4005064"/>
+            <a:ext cx="3599703" cy="2409718"/>
           </a:xfrm>
           <a:prstGeom prst="rect">
             <a:avLst/>

--- a/Docs/Data Extraction for the Quantified Self v2.pptx
+++ b/Docs/Data Extraction for the Quantified Self v2.pptx
@@ -13,10 +13,12 @@
     <p:sldId id="259" r:id="rId7"/>
     <p:sldId id="264" r:id="rId8"/>
     <p:sldId id="266" r:id="rId9"/>
-    <p:sldId id="263" r:id="rId10"/>
-    <p:sldId id="260" r:id="rId11"/>
+    <p:sldId id="260" r:id="rId10"/>
+    <p:sldId id="269" r:id="rId11"/>
     <p:sldId id="267" r:id="rId12"/>
-    <p:sldId id="261" r:id="rId13"/>
+    <p:sldId id="268" r:id="rId13"/>
+    <p:sldId id="270" r:id="rId14"/>
+    <p:sldId id="261" r:id="rId15"/>
   </p:sldIdLst>
   <p:sldSz cx="9144000" cy="6858000" type="screen4x3"/>
   <p:notesSz cx="6858000" cy="9144000"/>
@@ -2875,7 +2877,7 @@
           <a:p>
             <a:fld id="{9284C280-8E67-4809-8607-67EF543FE5FF}" type="datetimeFigureOut">
               <a:rPr lang="en-US" smtClean="0"/>
-              <a:t>7/15/2013</a:t>
+              <a:t>7/16/2013</a:t>
             </a:fld>
             <a:endParaRPr lang="en-US"/>
           </a:p>
@@ -3160,7 +3162,7 @@
           <a:p>
             <a:fld id="{9284C280-8E67-4809-8607-67EF543FE5FF}" type="datetimeFigureOut">
               <a:rPr lang="en-US" smtClean="0"/>
-              <a:t>7/15/2013</a:t>
+              <a:t>7/16/2013</a:t>
             </a:fld>
             <a:endParaRPr lang="en-US"/>
           </a:p>
@@ -3335,7 +3337,7 @@
           <a:p>
             <a:fld id="{9284C280-8E67-4809-8607-67EF543FE5FF}" type="datetimeFigureOut">
               <a:rPr lang="en-US" smtClean="0"/>
-              <a:t>7/15/2013</a:t>
+              <a:t>7/16/2013</a:t>
             </a:fld>
             <a:endParaRPr lang="en-US"/>
           </a:p>
@@ -3500,7 +3502,7 @@
           <a:p>
             <a:fld id="{9284C280-8E67-4809-8607-67EF543FE5FF}" type="datetimeFigureOut">
               <a:rPr lang="en-US" smtClean="0"/>
-              <a:t>7/15/2013</a:t>
+              <a:t>7/16/2013</a:t>
             </a:fld>
             <a:endParaRPr lang="en-US"/>
           </a:p>
@@ -3741,7 +3743,7 @@
           <a:p>
             <a:fld id="{9284C280-8E67-4809-8607-67EF543FE5FF}" type="datetimeFigureOut">
               <a:rPr lang="en-US" smtClean="0"/>
-              <a:t>7/15/2013</a:t>
+              <a:t>7/16/2013</a:t>
             </a:fld>
             <a:endParaRPr lang="en-US"/>
           </a:p>
@@ -3854,7 +3856,7 @@
           <a:p>
             <a:fld id="{9284C280-8E67-4809-8607-67EF543FE5FF}" type="datetimeFigureOut">
               <a:rPr lang="en-US" smtClean="0"/>
-              <a:t>7/15/2013</a:t>
+              <a:t>7/16/2013</a:t>
             </a:fld>
             <a:endParaRPr lang="en-US"/>
           </a:p>
@@ -4393,7 +4395,7 @@
           <a:p>
             <a:fld id="{9284C280-8E67-4809-8607-67EF543FE5FF}" type="datetimeFigureOut">
               <a:rPr lang="en-US" smtClean="0"/>
-              <a:t>7/15/2013</a:t>
+              <a:t>7/16/2013</a:t>
             </a:fld>
             <a:endParaRPr lang="en-US"/>
           </a:p>
@@ -4506,7 +4508,7 @@
           <a:p>
             <a:fld id="{9284C280-8E67-4809-8607-67EF543FE5FF}" type="datetimeFigureOut">
               <a:rPr lang="en-US" smtClean="0"/>
-              <a:t>7/15/2013</a:t>
+              <a:t>7/16/2013</a:t>
             </a:fld>
             <a:endParaRPr lang="en-US"/>
           </a:p>
@@ -4596,7 +4598,7 @@
           <a:p>
             <a:fld id="{9284C280-8E67-4809-8607-67EF543FE5FF}" type="datetimeFigureOut">
               <a:rPr lang="en-US" smtClean="0"/>
-              <a:t>7/15/2013</a:t>
+              <a:t>7/16/2013</a:t>
             </a:fld>
             <a:endParaRPr lang="en-US"/>
           </a:p>
@@ -7247,7 +7249,7 @@
           <a:p>
             <a:fld id="{9284C280-8E67-4809-8607-67EF543FE5FF}" type="datetimeFigureOut">
               <a:rPr lang="en-US" smtClean="0"/>
-              <a:t>7/15/2013</a:t>
+              <a:t>7/16/2013</a:t>
             </a:fld>
             <a:endParaRPr lang="en-US"/>
           </a:p>
@@ -10459,7 +10461,7 @@
           <a:p>
             <a:fld id="{9284C280-8E67-4809-8607-67EF543FE5FF}" type="datetimeFigureOut">
               <a:rPr lang="en-US" smtClean="0"/>
-              <a:t>7/15/2013</a:t>
+              <a:t>7/16/2013</a:t>
             </a:fld>
             <a:endParaRPr lang="en-US"/>
           </a:p>
@@ -13281,7 +13283,7 @@
           <a:p>
             <a:fld id="{9284C280-8E67-4809-8607-67EF543FE5FF}" type="datetimeFigureOut">
               <a:rPr lang="en-US" smtClean="0"/>
-              <a:t>7/15/2013</a:t>
+              <a:t>7/16/2013</a:t>
             </a:fld>
             <a:endParaRPr lang="en-US"/>
           </a:p>
@@ -13839,7 +13841,7 @@
       </p:grpSpPr>
       <p:sp>
         <p:nvSpPr>
-          <p:cNvPr id="2" name="Title 1"/>
+          <p:cNvPr id="2" name="Заголовок 1"/>
           <p:cNvSpPr>
             <a:spLocks noGrp="1"/>
           </p:cNvSpPr>
@@ -13847,59 +13849,513 @@
             <p:ph type="title"/>
           </p:nvPr>
         </p:nvSpPr>
-        <p:spPr/>
+        <p:spPr>
+          <a:xfrm>
+            <a:off x="1043490" y="1027664"/>
+            <a:ext cx="7024744" cy="828000"/>
+          </a:xfrm>
+        </p:spPr>
         <p:txBody>
           <a:bodyPr/>
           <a:lstStyle/>
           <a:p>
             <a:r>
-              <a:rPr lang="en-US" dirty="0" smtClean="0"/>
+              <a:rPr lang="en-US" dirty="0"/>
               <a:t>3. Experiments</a:t>
             </a:r>
-            <a:endParaRPr lang="en-US" dirty="0"/>
+            <a:endParaRPr lang="ru-RU" dirty="0"/>
+          </a:p>
+        </p:txBody>
+      </p:sp>
+      <p:pic>
+        <p:nvPicPr>
+          <p:cNvPr id="4" name="Объект 3"/>
+          <p:cNvPicPr>
+            <a:picLocks noGrp="1" noChangeAspect="1"/>
+          </p:cNvPicPr>
+          <p:nvPr>
+            <p:ph idx="1"/>
+          </p:nvPr>
+        </p:nvPicPr>
+        <p:blipFill>
+          <a:blip r:embed="rId2">
+            <a:extLst>
+              <a:ext uri="{28A0092B-C50C-407E-A947-70E740481C1C}">
+                <a14:useLocalDpi xmlns:a14="http://schemas.microsoft.com/office/drawing/2010/main" val="0"/>
+              </a:ext>
+            </a:extLst>
+          </a:blip>
+          <a:stretch>
+            <a:fillRect/>
+          </a:stretch>
+        </p:blipFill>
+        <p:spPr>
+          <a:xfrm>
+            <a:off x="1187624" y="2996952"/>
+            <a:ext cx="6777037" cy="2160094"/>
+          </a:xfrm>
+        </p:spPr>
+      </p:pic>
+      <p:sp>
+        <p:nvSpPr>
+          <p:cNvPr id="6" name="Прямоугольник 5"/>
+          <p:cNvSpPr/>
+          <p:nvPr/>
+        </p:nvSpPr>
+        <p:spPr>
+          <a:xfrm>
+            <a:off x="3419872" y="2343859"/>
+            <a:ext cx="1224136" cy="432048"/>
+          </a:xfrm>
+          <a:prstGeom prst="rect">
+            <a:avLst/>
+          </a:prstGeom>
+          <a:noFill/>
+          <a:ln>
+            <a:noFill/>
+          </a:ln>
+        </p:spPr>
+        <p:style>
+          <a:lnRef idx="2">
+            <a:schemeClr val="accent1">
+              <a:shade val="50000"/>
+            </a:schemeClr>
+          </a:lnRef>
+          <a:fillRef idx="1">
+            <a:schemeClr val="accent1"/>
+          </a:fillRef>
+          <a:effectRef idx="0">
+            <a:schemeClr val="accent1"/>
+          </a:effectRef>
+          <a:fontRef idx="minor">
+            <a:schemeClr val="lt1"/>
+          </a:fontRef>
+        </p:style>
+        <p:txBody>
+          <a:bodyPr rtlCol="0" anchor="ctr"/>
+          <a:lstStyle/>
+          <a:p>
+            <a:pPr algn="ctr"/>
+            <a:r>
+              <a:rPr lang="en-US" dirty="0" smtClean="0">
+                <a:solidFill>
+                  <a:schemeClr val="tx1">
+                    <a:lumMod val="50000"/>
+                    <a:lumOff val="50000"/>
+                  </a:schemeClr>
+                </a:solidFill>
+              </a:rPr>
+              <a:t>attributes</a:t>
+            </a:r>
+            <a:endParaRPr lang="ru-RU" dirty="0">
+              <a:solidFill>
+                <a:schemeClr val="tx1">
+                  <a:lumMod val="50000"/>
+                  <a:lumOff val="50000"/>
+                </a:schemeClr>
+              </a:solidFill>
+            </a:endParaRPr>
           </a:p>
         </p:txBody>
       </p:sp>
       <p:sp>
         <p:nvSpPr>
-          <p:cNvPr id="3" name="Content Placeholder 2"/>
-          <p:cNvSpPr>
-            <a:spLocks noGrp="1"/>
-          </p:cNvSpPr>
-          <p:nvPr>
-            <p:ph idx="1"/>
-          </p:nvPr>
+          <p:cNvPr id="7" name="Прямоугольник 6"/>
+          <p:cNvSpPr/>
+          <p:nvPr/>
         </p:nvSpPr>
-        <p:spPr/>
+        <p:spPr>
+          <a:xfrm>
+            <a:off x="7668344" y="5301208"/>
+            <a:ext cx="864096" cy="432048"/>
+          </a:xfrm>
+          <a:prstGeom prst="rect">
+            <a:avLst/>
+          </a:prstGeom>
+          <a:noFill/>
+          <a:ln>
+            <a:noFill/>
+          </a:ln>
+        </p:spPr>
+        <p:style>
+          <a:lnRef idx="2">
+            <a:schemeClr val="accent1">
+              <a:shade val="50000"/>
+            </a:schemeClr>
+          </a:lnRef>
+          <a:fillRef idx="1">
+            <a:schemeClr val="accent1"/>
+          </a:fillRef>
+          <a:effectRef idx="0">
+            <a:schemeClr val="accent1"/>
+          </a:effectRef>
+          <a:fontRef idx="minor">
+            <a:schemeClr val="lt1"/>
+          </a:fontRef>
+        </p:style>
         <p:txBody>
-          <a:bodyPr/>
+          <a:bodyPr rtlCol="0" anchor="ctr"/>
           <a:lstStyle/>
           <a:p>
-            <a:pPr marL="68580" indent="0" algn="just">
-              <a:buNone/>
-            </a:pPr>
-            <a:endParaRPr lang="en-US" dirty="0" smtClean="0"/>
-          </a:p>
-          <a:p>
-            <a:pPr algn="just"/>
+            <a:pPr algn="ctr"/>
             <a:r>
-              <a:rPr lang="en-US" dirty="0" smtClean="0"/>
-              <a:t>Cross-validation technique to analyze accuracy of obtained classifier.</a:t>
+              <a:rPr lang="en-US" dirty="0" smtClean="0">
+                <a:solidFill>
+                  <a:schemeClr val="tx1">
+                    <a:lumMod val="50000"/>
+                    <a:lumOff val="50000"/>
+                  </a:schemeClr>
+                </a:solidFill>
+              </a:rPr>
+              <a:t>labels</a:t>
             </a:r>
-          </a:p>
-          <a:p>
-            <a:pPr algn="just"/>
-            <a:r>
-              <a:rPr lang="en-US" dirty="0" smtClean="0"/>
-              <a:t>Desktop application for executing cross-validation on different datasets.</a:t>
-            </a:r>
+            <a:endParaRPr lang="ru-RU" dirty="0">
+              <a:solidFill>
+                <a:schemeClr val="tx1">
+                  <a:lumMod val="50000"/>
+                  <a:lumOff val="50000"/>
+                </a:schemeClr>
+              </a:solidFill>
+            </a:endParaRPr>
           </a:p>
         </p:txBody>
       </p:sp>
+      <p:cxnSp>
+        <p:nvCxnSpPr>
+          <p:cNvPr id="9" name="Прямая со стрелкой 8"/>
+          <p:cNvCxnSpPr/>
+          <p:nvPr/>
+        </p:nvCxnSpPr>
+        <p:spPr>
+          <a:xfrm flipH="1">
+            <a:off x="1907704" y="2780928"/>
+            <a:ext cx="1872208" cy="360040"/>
+          </a:xfrm>
+          <a:prstGeom prst="straightConnector1">
+            <a:avLst/>
+          </a:prstGeom>
+          <a:ln>
+            <a:tailEnd type="arrow"/>
+          </a:ln>
+        </p:spPr>
+        <p:style>
+          <a:lnRef idx="1">
+            <a:schemeClr val="accent1"/>
+          </a:lnRef>
+          <a:fillRef idx="0">
+            <a:schemeClr val="accent1"/>
+          </a:fillRef>
+          <a:effectRef idx="0">
+            <a:schemeClr val="accent1"/>
+          </a:effectRef>
+          <a:fontRef idx="minor">
+            <a:schemeClr val="tx1"/>
+          </a:fontRef>
+        </p:style>
+      </p:cxnSp>
+      <p:cxnSp>
+        <p:nvCxnSpPr>
+          <p:cNvPr id="11" name="Прямая со стрелкой 10"/>
+          <p:cNvCxnSpPr/>
+          <p:nvPr/>
+        </p:nvCxnSpPr>
+        <p:spPr>
+          <a:xfrm flipH="1">
+            <a:off x="3491880" y="2780928"/>
+            <a:ext cx="360040" cy="360040"/>
+          </a:xfrm>
+          <a:prstGeom prst="straightConnector1">
+            <a:avLst/>
+          </a:prstGeom>
+          <a:ln>
+            <a:tailEnd type="arrow"/>
+          </a:ln>
+        </p:spPr>
+        <p:style>
+          <a:lnRef idx="1">
+            <a:schemeClr val="accent1"/>
+          </a:lnRef>
+          <a:fillRef idx="0">
+            <a:schemeClr val="accent1"/>
+          </a:fillRef>
+          <a:effectRef idx="0">
+            <a:schemeClr val="accent1"/>
+          </a:effectRef>
+          <a:fontRef idx="minor">
+            <a:schemeClr val="tx1"/>
+          </a:fontRef>
+        </p:style>
+      </p:cxnSp>
+      <p:cxnSp>
+        <p:nvCxnSpPr>
+          <p:cNvPr id="13" name="Прямая со стрелкой 12"/>
+          <p:cNvCxnSpPr>
+            <a:stCxn id="6" idx="2"/>
+          </p:cNvCxnSpPr>
+          <p:nvPr/>
+        </p:nvCxnSpPr>
+        <p:spPr>
+          <a:xfrm>
+            <a:off x="4031940" y="2775907"/>
+            <a:ext cx="612068" cy="360040"/>
+          </a:xfrm>
+          <a:prstGeom prst="straightConnector1">
+            <a:avLst/>
+          </a:prstGeom>
+          <a:ln>
+            <a:tailEnd type="arrow"/>
+          </a:ln>
+        </p:spPr>
+        <p:style>
+          <a:lnRef idx="1">
+            <a:schemeClr val="accent1"/>
+          </a:lnRef>
+          <a:fillRef idx="0">
+            <a:schemeClr val="accent1"/>
+          </a:fillRef>
+          <a:effectRef idx="0">
+            <a:schemeClr val="accent1"/>
+          </a:effectRef>
+          <a:fontRef idx="minor">
+            <a:schemeClr val="tx1"/>
+          </a:fontRef>
+        </p:style>
+      </p:cxnSp>
+      <p:cxnSp>
+        <p:nvCxnSpPr>
+          <p:cNvPr id="15" name="Прямая со стрелкой 14"/>
+          <p:cNvCxnSpPr/>
+          <p:nvPr/>
+        </p:nvCxnSpPr>
+        <p:spPr>
+          <a:xfrm>
+            <a:off x="4409982" y="2780928"/>
+            <a:ext cx="1530170" cy="360040"/>
+          </a:xfrm>
+          <a:prstGeom prst="straightConnector1">
+            <a:avLst/>
+          </a:prstGeom>
+          <a:ln>
+            <a:tailEnd type="arrow"/>
+          </a:ln>
+        </p:spPr>
+        <p:style>
+          <a:lnRef idx="1">
+            <a:schemeClr val="accent1"/>
+          </a:lnRef>
+          <a:fillRef idx="0">
+            <a:schemeClr val="accent1"/>
+          </a:fillRef>
+          <a:effectRef idx="0">
+            <a:schemeClr val="accent1"/>
+          </a:effectRef>
+          <a:fontRef idx="minor">
+            <a:schemeClr val="tx1"/>
+          </a:fontRef>
+        </p:style>
+      </p:cxnSp>
+      <p:cxnSp>
+        <p:nvCxnSpPr>
+          <p:cNvPr id="17" name="Прямая со стрелкой 16"/>
+          <p:cNvCxnSpPr>
+            <a:stCxn id="7" idx="0"/>
+          </p:cNvCxnSpPr>
+          <p:nvPr/>
+        </p:nvCxnSpPr>
+        <p:spPr>
+          <a:xfrm flipH="1" flipV="1">
+            <a:off x="7812360" y="3717032"/>
+            <a:ext cx="288032" cy="1584176"/>
+          </a:xfrm>
+          <a:prstGeom prst="straightConnector1">
+            <a:avLst/>
+          </a:prstGeom>
+          <a:ln>
+            <a:tailEnd type="arrow"/>
+          </a:ln>
+        </p:spPr>
+        <p:style>
+          <a:lnRef idx="1">
+            <a:schemeClr val="accent1"/>
+          </a:lnRef>
+          <a:fillRef idx="0">
+            <a:schemeClr val="accent1"/>
+          </a:fillRef>
+          <a:effectRef idx="0">
+            <a:schemeClr val="accent1"/>
+          </a:effectRef>
+          <a:fontRef idx="minor">
+            <a:schemeClr val="tx1"/>
+          </a:fontRef>
+        </p:style>
+      </p:cxnSp>
+      <p:cxnSp>
+        <p:nvCxnSpPr>
+          <p:cNvPr id="19" name="Прямая со стрелкой 18"/>
+          <p:cNvCxnSpPr>
+            <a:stCxn id="7" idx="0"/>
+          </p:cNvCxnSpPr>
+          <p:nvPr/>
+        </p:nvCxnSpPr>
+        <p:spPr>
+          <a:xfrm flipH="1" flipV="1">
+            <a:off x="7812360" y="4797152"/>
+            <a:ext cx="288032" cy="504056"/>
+          </a:xfrm>
+          <a:prstGeom prst="straightConnector1">
+            <a:avLst/>
+          </a:prstGeom>
+          <a:ln>
+            <a:tailEnd type="arrow"/>
+          </a:ln>
+        </p:spPr>
+        <p:style>
+          <a:lnRef idx="1">
+            <a:schemeClr val="accent1"/>
+          </a:lnRef>
+          <a:fillRef idx="0">
+            <a:schemeClr val="accent1"/>
+          </a:fillRef>
+          <a:effectRef idx="0">
+            <a:schemeClr val="accent1"/>
+          </a:effectRef>
+          <a:fontRef idx="minor">
+            <a:schemeClr val="tx1"/>
+          </a:fontRef>
+        </p:style>
+      </p:cxnSp>
+      <p:sp>
+        <p:nvSpPr>
+          <p:cNvPr id="21" name="Прямоугольник 20"/>
+          <p:cNvSpPr/>
+          <p:nvPr/>
+        </p:nvSpPr>
+        <p:spPr>
+          <a:xfrm>
+            <a:off x="521550" y="5301208"/>
+            <a:ext cx="1224136" cy="432048"/>
+          </a:xfrm>
+          <a:prstGeom prst="rect">
+            <a:avLst/>
+          </a:prstGeom>
+          <a:noFill/>
+          <a:ln>
+            <a:noFill/>
+          </a:ln>
+        </p:spPr>
+        <p:style>
+          <a:lnRef idx="2">
+            <a:schemeClr val="accent1">
+              <a:shade val="50000"/>
+            </a:schemeClr>
+          </a:lnRef>
+          <a:fillRef idx="1">
+            <a:schemeClr val="accent1"/>
+          </a:fillRef>
+          <a:effectRef idx="0">
+            <a:schemeClr val="accent1"/>
+          </a:effectRef>
+          <a:fontRef idx="minor">
+            <a:schemeClr val="lt1"/>
+          </a:fontRef>
+        </p:style>
+        <p:txBody>
+          <a:bodyPr rtlCol="0" anchor="ctr"/>
+          <a:lstStyle/>
+          <a:p>
+            <a:pPr algn="ctr"/>
+            <a:r>
+              <a:rPr lang="en-US" dirty="0" smtClean="0">
+                <a:solidFill>
+                  <a:schemeClr val="tx1">
+                    <a:lumMod val="50000"/>
+                    <a:lumOff val="50000"/>
+                  </a:schemeClr>
+                </a:solidFill>
+              </a:rPr>
+              <a:t>instances</a:t>
+            </a:r>
+            <a:endParaRPr lang="ru-RU" dirty="0">
+              <a:solidFill>
+                <a:schemeClr val="tx1">
+                  <a:lumMod val="50000"/>
+                  <a:lumOff val="50000"/>
+                </a:schemeClr>
+              </a:solidFill>
+            </a:endParaRPr>
+          </a:p>
+        </p:txBody>
+      </p:sp>
+      <p:cxnSp>
+        <p:nvCxnSpPr>
+          <p:cNvPr id="23" name="Прямая со стрелкой 22"/>
+          <p:cNvCxnSpPr/>
+          <p:nvPr/>
+        </p:nvCxnSpPr>
+        <p:spPr>
+          <a:xfrm flipV="1">
+            <a:off x="899592" y="3717032"/>
+            <a:ext cx="396044" cy="1584176"/>
+          </a:xfrm>
+          <a:prstGeom prst="straightConnector1">
+            <a:avLst/>
+          </a:prstGeom>
+          <a:ln>
+            <a:tailEnd type="arrow"/>
+          </a:ln>
+        </p:spPr>
+        <p:style>
+          <a:lnRef idx="1">
+            <a:schemeClr val="accent1"/>
+          </a:lnRef>
+          <a:fillRef idx="0">
+            <a:schemeClr val="accent1"/>
+          </a:fillRef>
+          <a:effectRef idx="0">
+            <a:schemeClr val="accent1"/>
+          </a:effectRef>
+          <a:fontRef idx="minor">
+            <a:schemeClr val="tx1"/>
+          </a:fontRef>
+        </p:style>
+      </p:cxnSp>
+      <p:cxnSp>
+        <p:nvCxnSpPr>
+          <p:cNvPr id="25" name="Прямая со стрелкой 24"/>
+          <p:cNvCxnSpPr/>
+          <p:nvPr/>
+        </p:nvCxnSpPr>
+        <p:spPr>
+          <a:xfrm flipV="1">
+            <a:off x="971600" y="4797152"/>
+            <a:ext cx="324036" cy="504056"/>
+          </a:xfrm>
+          <a:prstGeom prst="straightConnector1">
+            <a:avLst/>
+          </a:prstGeom>
+          <a:ln>
+            <a:tailEnd type="arrow"/>
+          </a:ln>
+        </p:spPr>
+        <p:style>
+          <a:lnRef idx="1">
+            <a:schemeClr val="accent1"/>
+          </a:lnRef>
+          <a:fillRef idx="0">
+            <a:schemeClr val="accent1"/>
+          </a:fillRef>
+          <a:effectRef idx="0">
+            <a:schemeClr val="accent1"/>
+          </a:effectRef>
+          <a:fontRef idx="minor">
+            <a:schemeClr val="tx1"/>
+          </a:fontRef>
+        </p:style>
+      </p:cxnSp>
     </p:spTree>
     <p:extLst>
       <p:ext uri="{BB962C8B-B14F-4D97-AF65-F5344CB8AC3E}">
-        <p14:creationId xmlns:p14="http://schemas.microsoft.com/office/powerpoint/2010/main" val="963866837"/>
+        <p14:creationId xmlns:p14="http://schemas.microsoft.com/office/powerpoint/2010/main" val="3158954444"/>
       </p:ext>
     </p:extLst>
   </p:cSld>
@@ -13943,7 +14399,12 @@
             <p:ph type="title"/>
           </p:nvPr>
         </p:nvSpPr>
-        <p:spPr/>
+        <p:spPr>
+          <a:xfrm>
+            <a:off x="1043490" y="1027664"/>
+            <a:ext cx="7024744" cy="828000"/>
+          </a:xfrm>
+        </p:spPr>
         <p:txBody>
           <a:bodyPr/>
           <a:lstStyle/>
@@ -13955,25 +14416,35 @@
           </a:p>
         </p:txBody>
       </p:sp>
-      <p:sp>
-        <p:nvSpPr>
-          <p:cNvPr id="3" name="Content Placeholder 2"/>
-          <p:cNvSpPr>
-            <a:spLocks noGrp="1"/>
-          </p:cNvSpPr>
+      <p:pic>
+        <p:nvPicPr>
+          <p:cNvPr id="6" name="Объект 5"/>
+          <p:cNvPicPr>
+            <a:picLocks noGrp="1" noChangeAspect="1"/>
+          </p:cNvPicPr>
           <p:nvPr>
             <p:ph idx="1"/>
           </p:nvPr>
-        </p:nvSpPr>
-        <p:spPr/>
-        <p:txBody>
-          <a:bodyPr/>
-          <a:lstStyle/>
-          <a:p>
-            <a:endParaRPr lang="en-US" dirty="0"/>
-          </a:p>
-        </p:txBody>
-      </p:sp>
+        </p:nvPicPr>
+        <p:blipFill>
+          <a:blip r:embed="rId2">
+            <a:extLst>
+              <a:ext uri="{28A0092B-C50C-407E-A947-70E740481C1C}">
+                <a14:useLocalDpi xmlns:a14="http://schemas.microsoft.com/office/drawing/2010/main" val="0"/>
+              </a:ext>
+            </a:extLst>
+          </a:blip>
+          <a:stretch>
+            <a:fillRect/>
+          </a:stretch>
+        </p:blipFill>
+        <p:spPr>
+          <a:xfrm>
+            <a:off x="1403648" y="1844824"/>
+            <a:ext cx="6264696" cy="4610947"/>
+          </a:xfrm>
+        </p:spPr>
+      </p:pic>
     </p:spTree>
     <p:extLst>
       <p:ext uri="{BB962C8B-B14F-4D97-AF65-F5344CB8AC3E}">
@@ -13995,6 +14466,184 @@
 </file>
 
 <file path=ppt/slides/slide12.xml><?xml version="1.0" encoding="utf-8"?>
+<p:sld xmlns:a="http://schemas.openxmlformats.org/drawingml/2006/main" xmlns:r="http://schemas.openxmlformats.org/officeDocument/2006/relationships" xmlns:p="http://schemas.openxmlformats.org/presentationml/2006/main">
+  <p:cSld>
+    <p:spTree>
+      <p:nvGrpSpPr>
+        <p:cNvPr id="1" name=""/>
+        <p:cNvGrpSpPr/>
+        <p:nvPr/>
+      </p:nvGrpSpPr>
+      <p:grpSpPr>
+        <a:xfrm>
+          <a:off x="0" y="0"/>
+          <a:ext cx="0" cy="0"/>
+          <a:chOff x="0" y="0"/>
+          <a:chExt cx="0" cy="0"/>
+        </a:xfrm>
+      </p:grpSpPr>
+      <p:sp>
+        <p:nvSpPr>
+          <p:cNvPr id="2" name="Заголовок 1"/>
+          <p:cNvSpPr>
+            <a:spLocks noGrp="1"/>
+          </p:cNvSpPr>
+          <p:nvPr>
+            <p:ph type="title"/>
+          </p:nvPr>
+        </p:nvSpPr>
+        <p:spPr>
+          <a:xfrm>
+            <a:off x="1043490" y="1027664"/>
+            <a:ext cx="7024744" cy="828000"/>
+          </a:xfrm>
+        </p:spPr>
+        <p:txBody>
+          <a:bodyPr/>
+          <a:lstStyle/>
+          <a:p>
+            <a:r>
+              <a:rPr lang="en-US" dirty="0"/>
+              <a:t>3. Experiments</a:t>
+            </a:r>
+            <a:endParaRPr lang="ru-RU" dirty="0"/>
+          </a:p>
+        </p:txBody>
+      </p:sp>
+      <p:pic>
+        <p:nvPicPr>
+          <p:cNvPr id="6" name="Объект 5"/>
+          <p:cNvPicPr>
+            <a:picLocks noGrp="1" noChangeAspect="1"/>
+          </p:cNvPicPr>
+          <p:nvPr>
+            <p:ph idx="1"/>
+          </p:nvPr>
+        </p:nvPicPr>
+        <p:blipFill>
+          <a:blip r:embed="rId2">
+            <a:extLst>
+              <a:ext uri="{28A0092B-C50C-407E-A947-70E740481C1C}">
+                <a14:useLocalDpi xmlns:a14="http://schemas.microsoft.com/office/drawing/2010/main" val="0"/>
+              </a:ext>
+            </a:extLst>
+          </a:blip>
+          <a:stretch>
+            <a:fillRect/>
+          </a:stretch>
+        </p:blipFill>
+        <p:spPr>
+          <a:xfrm>
+            <a:off x="1187624" y="1772816"/>
+            <a:ext cx="6912768" cy="4647805"/>
+          </a:xfrm>
+        </p:spPr>
+      </p:pic>
+    </p:spTree>
+    <p:extLst>
+      <p:ext uri="{BB962C8B-B14F-4D97-AF65-F5344CB8AC3E}">
+        <p14:creationId xmlns:p14="http://schemas.microsoft.com/office/powerpoint/2010/main" val="4143550584"/>
+      </p:ext>
+    </p:extLst>
+  </p:cSld>
+  <p:clrMapOvr>
+    <a:masterClrMapping/>
+  </p:clrMapOvr>
+  <p:timing>
+    <p:tnLst>
+      <p:par>
+        <p:cTn id="1" dur="indefinite" restart="never" nodeType="tmRoot"/>
+      </p:par>
+    </p:tnLst>
+  </p:timing>
+</p:sld>
+</file>
+
+<file path=ppt/slides/slide13.xml><?xml version="1.0" encoding="utf-8"?>
+<p:sld xmlns:a="http://schemas.openxmlformats.org/drawingml/2006/main" xmlns:r="http://schemas.openxmlformats.org/officeDocument/2006/relationships" xmlns:p="http://schemas.openxmlformats.org/presentationml/2006/main">
+  <p:cSld>
+    <p:spTree>
+      <p:nvGrpSpPr>
+        <p:cNvPr id="1" name=""/>
+        <p:cNvGrpSpPr/>
+        <p:nvPr/>
+      </p:nvGrpSpPr>
+      <p:grpSpPr>
+        <a:xfrm>
+          <a:off x="0" y="0"/>
+          <a:ext cx="0" cy="0"/>
+          <a:chOff x="0" y="0"/>
+          <a:chExt cx="0" cy="0"/>
+        </a:xfrm>
+      </p:grpSpPr>
+      <p:sp>
+        <p:nvSpPr>
+          <p:cNvPr id="2" name="Заголовок 1"/>
+          <p:cNvSpPr>
+            <a:spLocks noGrp="1"/>
+          </p:cNvSpPr>
+          <p:nvPr>
+            <p:ph type="title"/>
+          </p:nvPr>
+        </p:nvSpPr>
+        <p:spPr>
+          <a:xfrm>
+            <a:off x="1043490" y="1027664"/>
+            <a:ext cx="7024744" cy="828000"/>
+          </a:xfrm>
+        </p:spPr>
+        <p:txBody>
+          <a:bodyPr/>
+          <a:lstStyle/>
+          <a:p>
+            <a:r>
+              <a:rPr lang="en-US" dirty="0" smtClean="0"/>
+              <a:t>Conclusion</a:t>
+            </a:r>
+            <a:endParaRPr lang="ru-RU" dirty="0"/>
+          </a:p>
+        </p:txBody>
+      </p:sp>
+      <p:sp>
+        <p:nvSpPr>
+          <p:cNvPr id="3" name="Объект 2"/>
+          <p:cNvSpPr>
+            <a:spLocks noGrp="1"/>
+          </p:cNvSpPr>
+          <p:nvPr>
+            <p:ph idx="1"/>
+          </p:nvPr>
+        </p:nvSpPr>
+        <p:spPr/>
+        <p:txBody>
+          <a:bodyPr/>
+          <a:lstStyle/>
+          <a:p>
+            <a:endParaRPr lang="ru-RU"/>
+          </a:p>
+        </p:txBody>
+      </p:sp>
+    </p:spTree>
+    <p:extLst>
+      <p:ext uri="{BB962C8B-B14F-4D97-AF65-F5344CB8AC3E}">
+        <p14:creationId xmlns:p14="http://schemas.microsoft.com/office/powerpoint/2010/main" val="389306213"/>
+      </p:ext>
+    </p:extLst>
+  </p:cSld>
+  <p:clrMapOvr>
+    <a:masterClrMapping/>
+  </p:clrMapOvr>
+  <p:timing>
+    <p:tnLst>
+      <p:par>
+        <p:cTn id="1" dur="indefinite" restart="never" nodeType="tmRoot"/>
+      </p:par>
+    </p:tnLst>
+  </p:timing>
+</p:sld>
+</file>
+
+<file path=ppt/slides/slide14.xml><?xml version="1.0" encoding="utf-8"?>
 <p:sld xmlns:a="http://schemas.openxmlformats.org/drawingml/2006/main" xmlns:r="http://schemas.openxmlformats.org/officeDocument/2006/relationships" xmlns:p="http://schemas.openxmlformats.org/presentationml/2006/main">
   <p:cSld>
     <p:spTree>
@@ -14089,7 +14738,12 @@
             <p:ph type="title"/>
           </p:nvPr>
         </p:nvSpPr>
-        <p:spPr/>
+        <p:spPr>
+          <a:xfrm>
+            <a:off x="1043490" y="1027664"/>
+            <a:ext cx="7024744" cy="828000"/>
+          </a:xfrm>
+        </p:spPr>
         <p:txBody>
           <a:bodyPr/>
           <a:lstStyle/>
@@ -14125,15 +14779,13 @@
             <a:pPr marL="68580" indent="0" algn="just">
               <a:buNone/>
             </a:pPr>
-            <a:endParaRPr lang="en-US" dirty="0" smtClean="0"/>
-          </a:p>
-          <a:p>
-            <a:pPr marL="68580" indent="0" algn="just">
-              <a:buNone/>
-            </a:pPr>
             <a:r>
               <a:rPr lang="en-US" dirty="0" smtClean="0"/>
-              <a:t>Measurement of human’s indoor movements is useful for analyzing treatment progress of depressed people. It shows how actively person behaves, and gives objective view of his or her psychological condition.</a:t>
+              <a:t>Measurement </a:t>
+            </a:r>
+            <a:r>
+              <a:rPr lang="en-US" dirty="0" smtClean="0"/>
+              <a:t>of human’s indoor movements is useful for analyzing treatment progress of depressed people. It shows how actively person behaves, and gives objective view of his or her psychological condition.</a:t>
             </a:r>
           </a:p>
         </p:txBody>
@@ -14215,7 +14867,12 @@
             <p:ph type="title"/>
           </p:nvPr>
         </p:nvSpPr>
-        <p:spPr/>
+        <p:spPr>
+          <a:xfrm>
+            <a:off x="1043490" y="1027664"/>
+            <a:ext cx="7024744" cy="828000"/>
+          </a:xfrm>
+        </p:spPr>
         <p:txBody>
           <a:bodyPr/>
           <a:lstStyle/>
@@ -14243,9 +14900,6 @@
           <a:bodyPr/>
           <a:lstStyle/>
           <a:p>
-            <a:endParaRPr lang="en-US" dirty="0" smtClean="0"/>
-          </a:p>
-          <a:p>
             <a:pPr marL="525780" indent="-457200">
               <a:buFont typeface="+mj-lt"/>
               <a:buAutoNum type="arabicPeriod"/>
@@ -14254,6 +14908,7 @@
               <a:rPr lang="en-US" dirty="0" smtClean="0"/>
               <a:t>Approach</a:t>
             </a:r>
+            <a:endParaRPr lang="en-US" dirty="0" smtClean="0"/>
           </a:p>
           <a:p>
             <a:pPr marL="525780" indent="-457200">
@@ -14324,7 +14979,12 @@
             <p:ph type="title"/>
           </p:nvPr>
         </p:nvSpPr>
-        <p:spPr/>
+        <p:spPr>
+          <a:xfrm>
+            <a:off x="1043490" y="1027664"/>
+            <a:ext cx="7024744" cy="828000"/>
+          </a:xfrm>
+        </p:spPr>
         <p:txBody>
           <a:bodyPr>
             <a:normAutofit/>
@@ -14357,15 +15017,13 @@
             <a:pPr marL="68580" indent="0" algn="just">
               <a:buNone/>
             </a:pPr>
-            <a:endParaRPr lang="en-US" dirty="0" smtClean="0"/>
-          </a:p>
-          <a:p>
-            <a:pPr marL="68580" indent="0" algn="just">
-              <a:buNone/>
-            </a:pPr>
             <a:r>
               <a:rPr lang="en-US" dirty="0" smtClean="0"/>
-              <a:t>Analysis of surrounding Wi-Fi networks to retrieve person’s indoor position:</a:t>
+              <a:t>Analysis </a:t>
+            </a:r>
+            <a:r>
+              <a:rPr lang="en-US" dirty="0" smtClean="0"/>
+              <a:t>of surrounding Wi-Fi networks to retrieve person’s indoor position:</a:t>
             </a:r>
           </a:p>
           <a:p>
@@ -14391,15 +15049,7 @@
             </a:r>
             <a:r>
               <a:rPr lang="en-US" sz="2000" dirty="0" smtClean="0"/>
-              <a:t>ombining this information we </a:t>
-            </a:r>
-            <a:r>
-              <a:rPr lang="en-US" sz="2000" dirty="0" smtClean="0"/>
-              <a:t>infer person’s </a:t>
-            </a:r>
-            <a:r>
-              <a:rPr lang="en-US" sz="2000" dirty="0" smtClean="0"/>
-              <a:t>position.</a:t>
+              <a:t>ombining this information we infer person’s position.</a:t>
             </a:r>
             <a:endParaRPr lang="en-US" sz="2000" dirty="0"/>
           </a:p>
@@ -14452,7 +15102,12 @@
             <p:ph type="title"/>
           </p:nvPr>
         </p:nvSpPr>
-        <p:spPr/>
+        <p:spPr>
+          <a:xfrm>
+            <a:off x="1043490" y="1027664"/>
+            <a:ext cx="7024744" cy="828000"/>
+          </a:xfrm>
+        </p:spPr>
         <p:txBody>
           <a:bodyPr/>
           <a:lstStyle/>
@@ -14541,7 +15196,12 @@
             <p:ph type="title"/>
           </p:nvPr>
         </p:nvSpPr>
-        <p:spPr/>
+        <p:spPr>
+          <a:xfrm>
+            <a:off x="1043490" y="1027664"/>
+            <a:ext cx="7024744" cy="828000"/>
+          </a:xfrm>
+        </p:spPr>
         <p:txBody>
           <a:bodyPr/>
           <a:lstStyle/>
@@ -14554,69 +15214,158 @@
           </a:p>
         </p:txBody>
       </p:sp>
-      <p:sp>
-        <p:nvSpPr>
-          <p:cNvPr id="3" name="Content Placeholder 2"/>
-          <p:cNvSpPr>
-            <a:spLocks noGrp="1"/>
-          </p:cNvSpPr>
+      <p:pic>
+        <p:nvPicPr>
+          <p:cNvPr id="4" name="Picture 3"/>
+          <p:cNvPicPr>
+            <a:picLocks noGrp="1" noChangeAspect="1"/>
+          </p:cNvPicPr>
           <p:nvPr>
             <p:ph idx="1"/>
           </p:nvPr>
-        </p:nvSpPr>
-        <p:spPr/>
-        <p:txBody>
-          <a:bodyPr/>
-          <a:lstStyle/>
-          <a:p>
-            <a:pPr algn="just"/>
-            <a:endParaRPr lang="en-US" dirty="0" smtClean="0"/>
-          </a:p>
-          <a:p>
-            <a:pPr algn="just"/>
-            <a:r>
-              <a:rPr lang="en-US" dirty="0" smtClean="0"/>
-              <a:t>Application for Android</a:t>
-            </a:r>
-          </a:p>
-          <a:p>
-            <a:pPr algn="just"/>
-            <a:r>
-              <a:rPr lang="en-US" dirty="0"/>
-              <a:t>Machine learning techniques</a:t>
-            </a:r>
-          </a:p>
-          <a:p>
-            <a:pPr marL="708660" lvl="1" indent="-342900" algn="just">
-              <a:buFont typeface="+mj-lt"/>
-              <a:buAutoNum type="arabicPeriod"/>
-            </a:pPr>
-            <a:r>
-              <a:rPr lang="en-US" sz="1800" b="1" dirty="0"/>
-              <a:t>k nearest neighbors</a:t>
-            </a:r>
-            <a:r>
-              <a:rPr lang="en-US" sz="1800" dirty="0"/>
-              <a:t> algorithm</a:t>
-            </a:r>
-          </a:p>
-          <a:p>
-            <a:pPr marL="708660" lvl="1" indent="-342900" algn="just">
-              <a:buFont typeface="+mj-lt"/>
-              <a:buAutoNum type="arabicPeriod"/>
-            </a:pPr>
-            <a:r>
-              <a:rPr lang="en-US" sz="1800" b="1" dirty="0"/>
-              <a:t>neural </a:t>
-            </a:r>
-            <a:r>
-              <a:rPr lang="en-US" sz="1800" b="1" dirty="0" smtClean="0"/>
-              <a:t>network</a:t>
-            </a:r>
-            <a:endParaRPr lang="en-US" dirty="0" smtClean="0"/>
-          </a:p>
-        </p:txBody>
-      </p:sp>
+        </p:nvPicPr>
+        <p:blipFill>
+          <a:blip r:embed="rId2" cstate="print">
+            <a:extLst>
+              <a:ext uri="{28A0092B-C50C-407E-A947-70E740481C1C}">
+                <a14:useLocalDpi xmlns:a14="http://schemas.microsoft.com/office/drawing/2010/main" val="0"/>
+              </a:ext>
+            </a:extLst>
+          </a:blip>
+          <a:stretch>
+            <a:fillRect/>
+          </a:stretch>
+        </p:blipFill>
+        <p:spPr>
+          <a:xfrm>
+            <a:off x="611560" y="2492896"/>
+            <a:ext cx="2160240" cy="3839768"/>
+          </a:xfrm>
+          <a:prstGeom prst="rect">
+            <a:avLst/>
+          </a:prstGeom>
+        </p:spPr>
+      </p:pic>
+      <p:pic>
+        <p:nvPicPr>
+          <p:cNvPr id="5" name="Picture 6"/>
+          <p:cNvPicPr>
+            <a:picLocks noChangeAspect="1"/>
+          </p:cNvPicPr>
+          <p:nvPr/>
+        </p:nvPicPr>
+        <p:blipFill>
+          <a:blip r:embed="rId3" cstate="print">
+            <a:extLst>
+              <a:ext uri="{28A0092B-C50C-407E-A947-70E740481C1C}">
+                <a14:useLocalDpi xmlns:a14="http://schemas.microsoft.com/office/drawing/2010/main" val="0"/>
+              </a:ext>
+            </a:extLst>
+          </a:blip>
+          <a:stretch>
+            <a:fillRect/>
+          </a:stretch>
+        </p:blipFill>
+        <p:spPr>
+          <a:xfrm>
+            <a:off x="3491880" y="2498427"/>
+            <a:ext cx="2160240" cy="3840427"/>
+          </a:xfrm>
+          <a:prstGeom prst="rect">
+            <a:avLst/>
+          </a:prstGeom>
+        </p:spPr>
+      </p:pic>
+      <p:pic>
+        <p:nvPicPr>
+          <p:cNvPr id="6" name="Picture 7"/>
+          <p:cNvPicPr>
+            <a:picLocks noChangeAspect="1"/>
+          </p:cNvPicPr>
+          <p:nvPr/>
+        </p:nvPicPr>
+        <p:blipFill>
+          <a:blip r:embed="rId4" cstate="print">
+            <a:extLst>
+              <a:ext uri="{28A0092B-C50C-407E-A947-70E740481C1C}">
+                <a14:useLocalDpi xmlns:a14="http://schemas.microsoft.com/office/drawing/2010/main" val="0"/>
+              </a:ext>
+            </a:extLst>
+          </a:blip>
+          <a:stretch>
+            <a:fillRect/>
+          </a:stretch>
+        </p:blipFill>
+        <p:spPr>
+          <a:xfrm>
+            <a:off x="6444208" y="2492896"/>
+            <a:ext cx="2160240" cy="3840427"/>
+          </a:xfrm>
+          <a:prstGeom prst="rect">
+            <a:avLst/>
+          </a:prstGeom>
+        </p:spPr>
+      </p:pic>
+      <p:pic>
+        <p:nvPicPr>
+          <p:cNvPr id="7" name="Рисунок 6"/>
+          <p:cNvPicPr>
+            <a:picLocks noChangeAspect="1"/>
+          </p:cNvPicPr>
+          <p:nvPr/>
+        </p:nvPicPr>
+        <p:blipFill>
+          <a:blip r:embed="rId5">
+            <a:extLst>
+              <a:ext uri="{28A0092B-C50C-407E-A947-70E740481C1C}">
+                <a14:useLocalDpi xmlns:a14="http://schemas.microsoft.com/office/drawing/2010/main" val="0"/>
+              </a:ext>
+            </a:extLst>
+          </a:blip>
+          <a:stretch>
+            <a:fillRect/>
+          </a:stretch>
+        </p:blipFill>
+        <p:spPr>
+          <a:xfrm>
+            <a:off x="2915816" y="4077072"/>
+            <a:ext cx="449580" cy="457200"/>
+          </a:xfrm>
+          <a:prstGeom prst="rect">
+            <a:avLst/>
+          </a:prstGeom>
+        </p:spPr>
+      </p:pic>
+      <p:pic>
+        <p:nvPicPr>
+          <p:cNvPr id="8" name="Рисунок 7"/>
+          <p:cNvPicPr>
+            <a:picLocks noChangeAspect="1"/>
+          </p:cNvPicPr>
+          <p:nvPr/>
+        </p:nvPicPr>
+        <p:blipFill>
+          <a:blip r:embed="rId5">
+            <a:extLst>
+              <a:ext uri="{28A0092B-C50C-407E-A947-70E740481C1C}">
+                <a14:useLocalDpi xmlns:a14="http://schemas.microsoft.com/office/drawing/2010/main" val="0"/>
+              </a:ext>
+            </a:extLst>
+          </a:blip>
+          <a:stretch>
+            <a:fillRect/>
+          </a:stretch>
+        </p:blipFill>
+        <p:spPr>
+          <a:xfrm>
+            <a:off x="5868144" y="4077072"/>
+            <a:ext cx="449580" cy="457200"/>
+          </a:xfrm>
+          <a:prstGeom prst="rect">
+            <a:avLst/>
+          </a:prstGeom>
+        </p:spPr>
+      </p:pic>
     </p:spTree>
     <p:extLst>
       <p:ext uri="{BB962C8B-B14F-4D97-AF65-F5344CB8AC3E}">
@@ -14664,7 +15413,12 @@
             <p:ph type="title"/>
           </p:nvPr>
         </p:nvSpPr>
-        <p:spPr/>
+        <p:spPr>
+          <a:xfrm>
+            <a:off x="1043490" y="1027664"/>
+            <a:ext cx="7024744" cy="828000"/>
+          </a:xfrm>
+        </p:spPr>
         <p:txBody>
           <a:bodyPr/>
           <a:lstStyle/>
@@ -14752,7 +15506,12 @@
             <p:ph type="title"/>
           </p:nvPr>
         </p:nvSpPr>
-        <p:spPr/>
+        <p:spPr>
+          <a:xfrm>
+            <a:off x="1043490" y="1027664"/>
+            <a:ext cx="7024744" cy="828000"/>
+          </a:xfrm>
+        </p:spPr>
         <p:txBody>
           <a:bodyPr/>
           <a:lstStyle/>
@@ -14782,14 +15541,8 @@
             <a:pPr marL="68580" indent="0" algn="just">
               <a:buNone/>
             </a:pPr>
-            <a:endParaRPr lang="en-US" b="1" dirty="0" smtClean="0"/>
-          </a:p>
-          <a:p>
-            <a:pPr marL="68580" indent="0" algn="just">
-              <a:buNone/>
-            </a:pPr>
             <a:r>
-              <a:rPr lang="en-US" b="1" dirty="0" smtClean="0"/>
+              <a:rPr lang="en-US" b="1" dirty="0" err="1" smtClean="0"/>
               <a:t>Neuroph</a:t>
             </a:r>
             <a:r>
@@ -14825,7 +15578,7 @@
         </p:blipFill>
         <p:spPr>
           <a:xfrm>
-            <a:off x="2771800" y="4005064"/>
+            <a:off x="2771800" y="3645024"/>
             <a:ext cx="3599703" cy="2409718"/>
           </a:xfrm>
           <a:prstGeom prst="rect">
@@ -14870,190 +15623,74 @@
           <a:chExt cx="0" cy="0"/>
         </a:xfrm>
       </p:grpSpPr>
-      <p:pic>
-        <p:nvPicPr>
-          <p:cNvPr id="3" name="Picture 2"/>
-          <p:cNvPicPr>
-            <a:picLocks noChangeAspect="1"/>
-          </p:cNvPicPr>
-          <p:nvPr/>
-        </p:nvPicPr>
-        <p:blipFill>
-          <a:blip r:embed="rId2" cstate="print">
-            <a:extLst>
-              <a:ext uri="{28A0092B-C50C-407E-A947-70E740481C1C}">
-                <a14:useLocalDpi xmlns:a14="http://schemas.microsoft.com/office/drawing/2010/main" val="0"/>
-              </a:ext>
-            </a:extLst>
-          </a:blip>
-          <a:stretch>
-            <a:fillRect/>
-          </a:stretch>
-        </p:blipFill>
+      <p:sp>
+        <p:nvSpPr>
+          <p:cNvPr id="2" name="Title 1"/>
+          <p:cNvSpPr>
+            <a:spLocks noGrp="1"/>
+          </p:cNvSpPr>
+          <p:nvPr>
+            <p:ph type="title"/>
+          </p:nvPr>
+        </p:nvSpPr>
         <p:spPr>
           <a:xfrm>
-            <a:off x="2051720" y="789620"/>
-            <a:ext cx="1512168" cy="2688299"/>
+            <a:off x="1043490" y="1027664"/>
+            <a:ext cx="7024744" cy="828000"/>
           </a:xfrm>
-          <a:prstGeom prst="rect">
-            <a:avLst/>
-          </a:prstGeom>
         </p:spPr>
-      </p:pic>
-      <p:pic>
-        <p:nvPicPr>
-          <p:cNvPr id="4" name="Picture 3"/>
-          <p:cNvPicPr>
-            <a:picLocks noChangeAspect="1"/>
-          </p:cNvPicPr>
-          <p:nvPr/>
-        </p:nvPicPr>
-        <p:blipFill>
-          <a:blip r:embed="rId3" cstate="print">
-            <a:extLst>
-              <a:ext uri="{28A0092B-C50C-407E-A947-70E740481C1C}">
-                <a14:useLocalDpi xmlns:a14="http://schemas.microsoft.com/office/drawing/2010/main" val="0"/>
-              </a:ext>
-            </a:extLst>
-          </a:blip>
-          <a:stretch>
-            <a:fillRect/>
-          </a:stretch>
-        </p:blipFill>
-        <p:spPr>
-          <a:xfrm>
-            <a:off x="3779912" y="790692"/>
-            <a:ext cx="1512167" cy="2688297"/>
-          </a:xfrm>
-          <a:prstGeom prst="rect">
-            <a:avLst/>
-          </a:prstGeom>
-        </p:spPr>
-      </p:pic>
-      <p:pic>
-        <p:nvPicPr>
-          <p:cNvPr id="6" name="Picture 5"/>
-          <p:cNvPicPr>
-            <a:picLocks noChangeAspect="1"/>
-          </p:cNvPicPr>
-          <p:nvPr/>
-        </p:nvPicPr>
-        <p:blipFill>
-          <a:blip r:embed="rId4" cstate="print">
-            <a:extLst>
-              <a:ext uri="{28A0092B-C50C-407E-A947-70E740481C1C}">
-                <a14:useLocalDpi xmlns:a14="http://schemas.microsoft.com/office/drawing/2010/main" val="0"/>
-              </a:ext>
-            </a:extLst>
-          </a:blip>
-          <a:stretch>
-            <a:fillRect/>
-          </a:stretch>
-        </p:blipFill>
-        <p:spPr>
-          <a:xfrm>
-            <a:off x="5483566" y="788550"/>
-            <a:ext cx="1512770" cy="2689369"/>
-          </a:xfrm>
-          <a:prstGeom prst="rect">
-            <a:avLst/>
-          </a:prstGeom>
-        </p:spPr>
-      </p:pic>
-      <p:pic>
-        <p:nvPicPr>
-          <p:cNvPr id="7" name="Picture 6"/>
-          <p:cNvPicPr>
-            <a:picLocks noChangeAspect="1"/>
-          </p:cNvPicPr>
-          <p:nvPr/>
-        </p:nvPicPr>
-        <p:blipFill>
-          <a:blip r:embed="rId5" cstate="print">
-            <a:extLst>
-              <a:ext uri="{28A0092B-C50C-407E-A947-70E740481C1C}">
-                <a14:useLocalDpi xmlns:a14="http://schemas.microsoft.com/office/drawing/2010/main" val="0"/>
-              </a:ext>
-            </a:extLst>
-          </a:blip>
-          <a:stretch>
-            <a:fillRect/>
-          </a:stretch>
-        </p:blipFill>
-        <p:spPr>
-          <a:xfrm>
-            <a:off x="2051721" y="3571946"/>
-            <a:ext cx="1512168" cy="2688299"/>
-          </a:xfrm>
-          <a:prstGeom prst="rect">
-            <a:avLst/>
-          </a:prstGeom>
-        </p:spPr>
-      </p:pic>
-      <p:pic>
-        <p:nvPicPr>
-          <p:cNvPr id="8" name="Picture 7"/>
-          <p:cNvPicPr>
-            <a:picLocks noChangeAspect="1"/>
-          </p:cNvPicPr>
-          <p:nvPr/>
-        </p:nvPicPr>
-        <p:blipFill>
-          <a:blip r:embed="rId6" cstate="print">
-            <a:extLst>
-              <a:ext uri="{28A0092B-C50C-407E-A947-70E740481C1C}">
-                <a14:useLocalDpi xmlns:a14="http://schemas.microsoft.com/office/drawing/2010/main" val="0"/>
-              </a:ext>
-            </a:extLst>
-          </a:blip>
-          <a:stretch>
-            <a:fillRect/>
-          </a:stretch>
-        </p:blipFill>
-        <p:spPr>
-          <a:xfrm>
-            <a:off x="3779913" y="3571946"/>
-            <a:ext cx="1512168" cy="2688299"/>
-          </a:xfrm>
-          <a:prstGeom prst="rect">
-            <a:avLst/>
-          </a:prstGeom>
-        </p:spPr>
-      </p:pic>
-      <p:pic>
-        <p:nvPicPr>
-          <p:cNvPr id="9" name="Picture 8"/>
-          <p:cNvPicPr>
-            <a:picLocks noChangeAspect="1"/>
-          </p:cNvPicPr>
-          <p:nvPr/>
-        </p:nvPicPr>
-        <p:blipFill>
-          <a:blip r:embed="rId7" cstate="print">
-            <a:extLst>
-              <a:ext uri="{28A0092B-C50C-407E-A947-70E740481C1C}">
-                <a14:useLocalDpi xmlns:a14="http://schemas.microsoft.com/office/drawing/2010/main" val="0"/>
-              </a:ext>
-            </a:extLst>
-          </a:blip>
-          <a:stretch>
-            <a:fillRect/>
-          </a:stretch>
-        </p:blipFill>
-        <p:spPr>
-          <a:xfrm>
-            <a:off x="5483567" y="3571945"/>
-            <a:ext cx="1512770" cy="2688299"/>
-          </a:xfrm>
-          <a:prstGeom prst="rect">
-            <a:avLst/>
-          </a:prstGeom>
-        </p:spPr>
-      </p:pic>
+        <p:txBody>
+          <a:bodyPr/>
+          <a:lstStyle/>
+          <a:p>
+            <a:r>
+              <a:rPr lang="en-US" dirty="0" smtClean="0"/>
+              <a:t>3. Experiments</a:t>
+            </a:r>
+            <a:endParaRPr lang="en-US" dirty="0"/>
+          </a:p>
+        </p:txBody>
+      </p:sp>
+      <p:sp>
+        <p:nvSpPr>
+          <p:cNvPr id="3" name="Content Placeholder 2"/>
+          <p:cNvSpPr>
+            <a:spLocks noGrp="1"/>
+          </p:cNvSpPr>
+          <p:nvPr>
+            <p:ph idx="1"/>
+          </p:nvPr>
+        </p:nvSpPr>
+        <p:spPr/>
+        <p:txBody>
+          <a:bodyPr/>
+          <a:lstStyle/>
+          <a:p>
+            <a:pPr marL="68580" indent="0" algn="just">
+              <a:buNone/>
+            </a:pPr>
+            <a:endParaRPr lang="en-US" dirty="0" smtClean="0"/>
+          </a:p>
+          <a:p>
+            <a:pPr algn="just"/>
+            <a:r>
+              <a:rPr lang="en-US" dirty="0" smtClean="0"/>
+              <a:t>Cross-validation technique to analyze accuracy of obtained classifier.</a:t>
+            </a:r>
+          </a:p>
+          <a:p>
+            <a:pPr algn="just"/>
+            <a:r>
+              <a:rPr lang="en-US" dirty="0" smtClean="0"/>
+              <a:t>Desktop application for executing cross-validation on different datasets.</a:t>
+            </a:r>
+          </a:p>
+        </p:txBody>
+      </p:sp>
     </p:spTree>
     <p:extLst>
       <p:ext uri="{BB962C8B-B14F-4D97-AF65-F5344CB8AC3E}">
-        <p14:creationId xmlns:p14="http://schemas.microsoft.com/office/powerpoint/2010/main" val="2063984816"/>
+        <p14:creationId xmlns:p14="http://schemas.microsoft.com/office/powerpoint/2010/main" val="963866837"/>
       </p:ext>
     </p:extLst>
   </p:cSld>

--- a/Docs/Data Extraction for the Quantified Self v2.pptx
+++ b/Docs/Data Extraction for the Quantified Self v2.pptx
@@ -14619,7 +14619,14 @@
           <a:bodyPr/>
           <a:lstStyle/>
           <a:p>
-            <a:endParaRPr lang="ru-RU"/>
+            <a:endParaRPr lang="en-US" dirty="0" smtClean="0"/>
+          </a:p>
+          <a:p>
+            <a:r>
+              <a:rPr lang="en-US" dirty="0" smtClean="0"/>
+              <a:t>We are great guys</a:t>
+            </a:r>
+            <a:endParaRPr lang="ru-RU" dirty="0"/>
           </a:p>
         </p:txBody>
       </p:sp>
@@ -14781,11 +14788,7 @@
             </a:pPr>
             <a:r>
               <a:rPr lang="en-US" dirty="0" smtClean="0"/>
-              <a:t>Measurement </a:t>
-            </a:r>
-            <a:r>
-              <a:rPr lang="en-US" dirty="0" smtClean="0"/>
-              <a:t>of human’s indoor movements is useful for analyzing treatment progress of depressed people. It shows how actively person behaves, and gives objective view of his or her psychological condition.</a:t>
+              <a:t>Measurement of human’s indoor movements is useful for analyzing treatment progress of depressed people. It shows how actively person behaves, and gives objective view of his or her psychological condition.</a:t>
             </a:r>
           </a:p>
         </p:txBody>
@@ -14908,7 +14911,6 @@
               <a:rPr lang="en-US" dirty="0" smtClean="0"/>
               <a:t>Approach</a:t>
             </a:r>
-            <a:endParaRPr lang="en-US" dirty="0" smtClean="0"/>
           </a:p>
           <a:p>
             <a:pPr marL="525780" indent="-457200">
@@ -15019,11 +15021,7 @@
             </a:pPr>
             <a:r>
               <a:rPr lang="en-US" dirty="0" smtClean="0"/>
-              <a:t>Analysis </a:t>
-            </a:r>
-            <a:r>
-              <a:rPr lang="en-US" dirty="0" smtClean="0"/>
-              <a:t>of surrounding Wi-Fi networks to retrieve person’s indoor position:</a:t>
+              <a:t>Analysis of surrounding Wi-Fi networks to retrieve person’s indoor position:</a:t>
             </a:r>
           </a:p>
           <a:p>
@@ -15216,7 +15214,7 @@
       </p:sp>
       <p:pic>
         <p:nvPicPr>
-          <p:cNvPr id="4" name="Picture 3"/>
+          <p:cNvPr id="4" name="Content Placeholder 3"/>
           <p:cNvPicPr>
             <a:picLocks noGrp="1" noChangeAspect="1"/>
           </p:cNvPicPr>

--- a/Docs/Data Extraction for the Quantified Self v2.pptx
+++ b/Docs/Data Extraction for the Quantified Self v2.pptx
@@ -14418,7 +14418,7 @@
       </p:sp>
       <p:pic>
         <p:nvPicPr>
-          <p:cNvPr id="6" name="Объект 5"/>
+          <p:cNvPr id="4" name="Объект 3"/>
           <p:cNvPicPr>
             <a:picLocks noGrp="1" noChangeAspect="1"/>
           </p:cNvPicPr>
@@ -14440,8 +14440,8 @@
         </p:blipFill>
         <p:spPr>
           <a:xfrm>
-            <a:off x="1403648" y="1844824"/>
-            <a:ext cx="6264696" cy="4610947"/>
+            <a:off x="1187624" y="2060848"/>
+            <a:ext cx="6043201" cy="4447922"/>
           </a:xfrm>
         </p:spPr>
       </p:pic>
@@ -14512,7 +14512,7 @@
       </p:sp>
       <p:pic>
         <p:nvPicPr>
-          <p:cNvPr id="6" name="Объект 5"/>
+          <p:cNvPr id="5" name="Объект 4"/>
           <p:cNvPicPr>
             <a:picLocks noGrp="1" noChangeAspect="1"/>
           </p:cNvPicPr>
@@ -14534,8 +14534,8 @@
         </p:blipFill>
         <p:spPr>
           <a:xfrm>
-            <a:off x="1187624" y="1772816"/>
-            <a:ext cx="6912768" cy="4647805"/>
+            <a:off x="1115616" y="1772816"/>
+            <a:ext cx="6961425" cy="4680520"/>
           </a:xfrm>
         </p:spPr>
       </p:pic>

--- a/Docs/Data Extraction for the Quantified Self v2.pptx
+++ b/Docs/Data Extraction for the Quantified Self v2.pptx
@@ -14624,8 +14624,28 @@
           <a:p>
             <a:r>
               <a:rPr lang="en-US" dirty="0" smtClean="0"/>
-              <a:t>We are great guys</a:t>
+              <a:t>Stable working Android application</a:t>
             </a:r>
+          </a:p>
+          <a:p>
+            <a:r>
+              <a:rPr lang="en-US" dirty="0" smtClean="0"/>
+              <a:t>Reliable classification results</a:t>
+            </a:r>
+          </a:p>
+          <a:p>
+            <a:r>
+              <a:rPr lang="en-US" dirty="0" smtClean="0"/>
+              <a:t>Reasonable working time</a:t>
+            </a:r>
+          </a:p>
+          <a:p>
+            <a:r>
+              <a:rPr lang="en-US" dirty="0" smtClean="0"/>
+              <a:t>Can be used in future for psychological research</a:t>
+            </a:r>
+          </a:p>
+          <a:p>
             <a:endParaRPr lang="ru-RU" dirty="0"/>
           </a:p>
         </p:txBody>

--- a/Docs/Data Extraction for the Quantified Self v2.pptx
+++ b/Docs/Data Extraction for the Quantified Self v2.pptx
@@ -12,13 +12,15 @@
     <p:sldId id="262" r:id="rId6"/>
     <p:sldId id="259" r:id="rId7"/>
     <p:sldId id="264" r:id="rId8"/>
-    <p:sldId id="266" r:id="rId9"/>
-    <p:sldId id="260" r:id="rId10"/>
-    <p:sldId id="269" r:id="rId11"/>
-    <p:sldId id="267" r:id="rId12"/>
-    <p:sldId id="268" r:id="rId13"/>
-    <p:sldId id="270" r:id="rId14"/>
-    <p:sldId id="261" r:id="rId15"/>
+    <p:sldId id="271" r:id="rId9"/>
+    <p:sldId id="272" r:id="rId10"/>
+    <p:sldId id="266" r:id="rId11"/>
+    <p:sldId id="260" r:id="rId12"/>
+    <p:sldId id="269" r:id="rId13"/>
+    <p:sldId id="267" r:id="rId14"/>
+    <p:sldId id="268" r:id="rId15"/>
+    <p:sldId id="270" r:id="rId16"/>
+    <p:sldId id="261" r:id="rId17"/>
   </p:sldIdLst>
   <p:sldSz cx="9144000" cy="6858000" type="screen4x3"/>
   <p:notesSz cx="6858000" cy="9144000"/>
@@ -13841,6 +13843,234 @@
       </p:grpSpPr>
       <p:sp>
         <p:nvSpPr>
+          <p:cNvPr id="2" name="Title 1"/>
+          <p:cNvSpPr>
+            <a:spLocks noGrp="1"/>
+          </p:cNvSpPr>
+          <p:nvPr>
+            <p:ph type="title"/>
+          </p:nvPr>
+        </p:nvSpPr>
+        <p:spPr>
+          <a:xfrm>
+            <a:off x="1043490" y="1027664"/>
+            <a:ext cx="7024744" cy="828000"/>
+          </a:xfrm>
+        </p:spPr>
+        <p:txBody>
+          <a:bodyPr/>
+          <a:lstStyle/>
+          <a:p>
+            <a:r>
+              <a:rPr lang="en-US" dirty="0"/>
+              <a:t>2. Implementation</a:t>
+            </a:r>
+          </a:p>
+        </p:txBody>
+      </p:sp>
+      <p:sp>
+        <p:nvSpPr>
+          <p:cNvPr id="3" name="Content Placeholder 2"/>
+          <p:cNvSpPr>
+            <a:spLocks noGrp="1"/>
+          </p:cNvSpPr>
+          <p:nvPr>
+            <p:ph idx="1"/>
+          </p:nvPr>
+        </p:nvSpPr>
+        <p:spPr/>
+        <p:txBody>
+          <a:bodyPr/>
+          <a:lstStyle/>
+          <a:p>
+            <a:pPr marL="68580" indent="0" algn="just">
+              <a:buNone/>
+            </a:pPr>
+            <a:r>
+              <a:rPr lang="en-US" b="1" dirty="0" err="1" smtClean="0"/>
+              <a:t>Neuroph</a:t>
+            </a:r>
+            <a:r>
+              <a:rPr lang="en-US" dirty="0" smtClean="0"/>
+              <a:t> </a:t>
+            </a:r>
+            <a:r>
+              <a:rPr lang="en-US" dirty="0"/>
+              <a:t>is lightweight Java neural network framework to develop common neural network architectures.</a:t>
+            </a:r>
+          </a:p>
+        </p:txBody>
+      </p:sp>
+      <p:pic>
+        <p:nvPicPr>
+          <p:cNvPr id="4" name="Picture 3"/>
+          <p:cNvPicPr>
+            <a:picLocks noChangeAspect="1"/>
+          </p:cNvPicPr>
+          <p:nvPr/>
+        </p:nvPicPr>
+        <p:blipFill>
+          <a:blip r:embed="rId2">
+            <a:extLst>
+              <a:ext uri="{28A0092B-C50C-407E-A947-70E740481C1C}">
+                <a14:useLocalDpi xmlns:a14="http://schemas.microsoft.com/office/drawing/2010/main" val="0"/>
+              </a:ext>
+            </a:extLst>
+          </a:blip>
+          <a:stretch>
+            <a:fillRect/>
+          </a:stretch>
+        </p:blipFill>
+        <p:spPr>
+          <a:xfrm>
+            <a:off x="2771800" y="3645024"/>
+            <a:ext cx="3599703" cy="2409718"/>
+          </a:xfrm>
+          <a:prstGeom prst="rect">
+            <a:avLst/>
+          </a:prstGeom>
+        </p:spPr>
+      </p:pic>
+    </p:spTree>
+    <p:extLst>
+      <p:ext uri="{BB962C8B-B14F-4D97-AF65-F5344CB8AC3E}">
+        <p14:creationId xmlns:p14="http://schemas.microsoft.com/office/powerpoint/2010/main" val="480478678"/>
+      </p:ext>
+    </p:extLst>
+  </p:cSld>
+  <p:clrMapOvr>
+    <a:masterClrMapping/>
+  </p:clrMapOvr>
+  <p:timing>
+    <p:tnLst>
+      <p:par>
+        <p:cTn id="1" dur="indefinite" restart="never" nodeType="tmRoot"/>
+      </p:par>
+    </p:tnLst>
+  </p:timing>
+</p:sld>
+</file>
+
+<file path=ppt/slides/slide11.xml><?xml version="1.0" encoding="utf-8"?>
+<p:sld xmlns:a="http://schemas.openxmlformats.org/drawingml/2006/main" xmlns:r="http://schemas.openxmlformats.org/officeDocument/2006/relationships" xmlns:p="http://schemas.openxmlformats.org/presentationml/2006/main">
+  <p:cSld>
+    <p:spTree>
+      <p:nvGrpSpPr>
+        <p:cNvPr id="1" name=""/>
+        <p:cNvGrpSpPr/>
+        <p:nvPr/>
+      </p:nvGrpSpPr>
+      <p:grpSpPr>
+        <a:xfrm>
+          <a:off x="0" y="0"/>
+          <a:ext cx="0" cy="0"/>
+          <a:chOff x="0" y="0"/>
+          <a:chExt cx="0" cy="0"/>
+        </a:xfrm>
+      </p:grpSpPr>
+      <p:sp>
+        <p:nvSpPr>
+          <p:cNvPr id="2" name="Title 1"/>
+          <p:cNvSpPr>
+            <a:spLocks noGrp="1"/>
+          </p:cNvSpPr>
+          <p:nvPr>
+            <p:ph type="title"/>
+          </p:nvPr>
+        </p:nvSpPr>
+        <p:spPr>
+          <a:xfrm>
+            <a:off x="1043490" y="1027664"/>
+            <a:ext cx="7024744" cy="828000"/>
+          </a:xfrm>
+        </p:spPr>
+        <p:txBody>
+          <a:bodyPr/>
+          <a:lstStyle/>
+          <a:p>
+            <a:r>
+              <a:rPr lang="en-US" dirty="0" smtClean="0"/>
+              <a:t>3. Experiments</a:t>
+            </a:r>
+            <a:endParaRPr lang="en-US" dirty="0"/>
+          </a:p>
+        </p:txBody>
+      </p:sp>
+      <p:sp>
+        <p:nvSpPr>
+          <p:cNvPr id="3" name="Content Placeholder 2"/>
+          <p:cNvSpPr>
+            <a:spLocks noGrp="1"/>
+          </p:cNvSpPr>
+          <p:nvPr>
+            <p:ph idx="1"/>
+          </p:nvPr>
+        </p:nvSpPr>
+        <p:spPr/>
+        <p:txBody>
+          <a:bodyPr/>
+          <a:lstStyle/>
+          <a:p>
+            <a:pPr marL="68580" indent="0" algn="just">
+              <a:buNone/>
+            </a:pPr>
+            <a:endParaRPr lang="en-US" dirty="0" smtClean="0"/>
+          </a:p>
+          <a:p>
+            <a:pPr algn="just"/>
+            <a:r>
+              <a:rPr lang="en-US" dirty="0" smtClean="0"/>
+              <a:t>Cross-validation technique to analyze accuracy of obtained classifier.</a:t>
+            </a:r>
+          </a:p>
+          <a:p>
+            <a:pPr algn="just"/>
+            <a:r>
+              <a:rPr lang="en-US" dirty="0" smtClean="0"/>
+              <a:t>Desktop application for executing cross-validation on different datasets.</a:t>
+            </a:r>
+          </a:p>
+        </p:txBody>
+      </p:sp>
+    </p:spTree>
+    <p:extLst>
+      <p:ext uri="{BB962C8B-B14F-4D97-AF65-F5344CB8AC3E}">
+        <p14:creationId xmlns:p14="http://schemas.microsoft.com/office/powerpoint/2010/main" val="963866837"/>
+      </p:ext>
+    </p:extLst>
+  </p:cSld>
+  <p:clrMapOvr>
+    <a:masterClrMapping/>
+  </p:clrMapOvr>
+  <p:timing>
+    <p:tnLst>
+      <p:par>
+        <p:cTn id="1" dur="indefinite" restart="never" nodeType="tmRoot"/>
+      </p:par>
+    </p:tnLst>
+  </p:timing>
+</p:sld>
+</file>
+
+<file path=ppt/slides/slide12.xml><?xml version="1.0" encoding="utf-8"?>
+<p:sld xmlns:a="http://schemas.openxmlformats.org/drawingml/2006/main" xmlns:r="http://schemas.openxmlformats.org/officeDocument/2006/relationships" xmlns:p="http://schemas.openxmlformats.org/presentationml/2006/main">
+  <p:cSld>
+    <p:spTree>
+      <p:nvGrpSpPr>
+        <p:cNvPr id="1" name=""/>
+        <p:cNvGrpSpPr/>
+        <p:nvPr/>
+      </p:nvGrpSpPr>
+      <p:grpSpPr>
+        <a:xfrm>
+          <a:off x="0" y="0"/>
+          <a:ext cx="0" cy="0"/>
+          <a:chOff x="0" y="0"/>
+          <a:chExt cx="0" cy="0"/>
+        </a:xfrm>
+      </p:grpSpPr>
+      <p:sp>
+        <p:nvSpPr>
           <p:cNvPr id="2" name="Заголовок 1"/>
           <p:cNvSpPr>
             <a:spLocks noGrp="1"/>
@@ -14372,7 +14602,7 @@
 </p:sld>
 </file>
 
-<file path=ppt/slides/slide11.xml><?xml version="1.0" encoding="utf-8"?>
+<file path=ppt/slides/slide13.xml><?xml version="1.0" encoding="utf-8"?>
 <p:sld xmlns:a="http://schemas.openxmlformats.org/drawingml/2006/main" xmlns:r="http://schemas.openxmlformats.org/officeDocument/2006/relationships" xmlns:p="http://schemas.openxmlformats.org/presentationml/2006/main">
   <p:cSld>
     <p:spTree>
@@ -14465,7 +14695,7 @@
 </p:sld>
 </file>
 
-<file path=ppt/slides/slide12.xml><?xml version="1.0" encoding="utf-8"?>
+<file path=ppt/slides/slide14.xml><?xml version="1.0" encoding="utf-8"?>
 <p:sld xmlns:a="http://schemas.openxmlformats.org/drawingml/2006/main" xmlns:r="http://schemas.openxmlformats.org/officeDocument/2006/relationships" xmlns:p="http://schemas.openxmlformats.org/presentationml/2006/main">
   <p:cSld>
     <p:spTree>
@@ -14559,7 +14789,7 @@
 </p:sld>
 </file>
 
-<file path=ppt/slides/slide13.xml><?xml version="1.0" encoding="utf-8"?>
+<file path=ppt/slides/slide15.xml><?xml version="1.0" encoding="utf-8"?>
 <p:sld xmlns:a="http://schemas.openxmlformats.org/drawingml/2006/main" xmlns:r="http://schemas.openxmlformats.org/officeDocument/2006/relationships" xmlns:p="http://schemas.openxmlformats.org/presentationml/2006/main">
   <p:cSld>
     <p:spTree>
@@ -14670,7 +14900,7 @@
 </p:sld>
 </file>
 
-<file path=ppt/slides/slide14.xml><?xml version="1.0" encoding="utf-8"?>
+<file path=ppt/slides/slide16.xml><?xml version="1.0" encoding="utf-8"?>
 <p:sld xmlns:a="http://schemas.openxmlformats.org/drawingml/2006/main" xmlns:r="http://schemas.openxmlformats.org/officeDocument/2006/relationships" xmlns:p="http://schemas.openxmlformats.org/presentationml/2006/main">
   <p:cSld>
     <p:spTree>
@@ -15450,7 +15680,7 @@
       </p:sp>
       <p:pic>
         <p:nvPicPr>
-          <p:cNvPr id="5" name="Content Placeholder 4"/>
+          <p:cNvPr id="4" name="Content Placeholder 3"/>
           <p:cNvPicPr>
             <a:picLocks noGrp="1" noChangeAspect="1"/>
           </p:cNvPicPr>
@@ -15472,8 +15702,8 @@
         </p:blipFill>
         <p:spPr>
           <a:xfrm>
-            <a:off x="971600" y="2276872"/>
-            <a:ext cx="7215960" cy="3672408"/>
+            <a:off x="827584" y="2852936"/>
+            <a:ext cx="7520379" cy="2582104"/>
           </a:xfrm>
         </p:spPr>
       </p:pic>
@@ -15541,46 +15771,15 @@
           </a:p>
         </p:txBody>
       </p:sp>
-      <p:sp>
-        <p:nvSpPr>
-          <p:cNvPr id="3" name="Content Placeholder 2"/>
-          <p:cNvSpPr>
-            <a:spLocks noGrp="1"/>
-          </p:cNvSpPr>
+      <p:pic>
+        <p:nvPicPr>
+          <p:cNvPr id="5" name="Content Placeholder 4"/>
+          <p:cNvPicPr>
+            <a:picLocks noGrp="1" noChangeAspect="1"/>
+          </p:cNvPicPr>
           <p:nvPr>
             <p:ph idx="1"/>
           </p:nvPr>
-        </p:nvSpPr>
-        <p:spPr/>
-        <p:txBody>
-          <a:bodyPr/>
-          <a:lstStyle/>
-          <a:p>
-            <a:pPr marL="68580" indent="0" algn="just">
-              <a:buNone/>
-            </a:pPr>
-            <a:r>
-              <a:rPr lang="en-US" b="1" dirty="0" err="1" smtClean="0"/>
-              <a:t>Neuroph</a:t>
-            </a:r>
-            <a:r>
-              <a:rPr lang="en-US" dirty="0" smtClean="0"/>
-              <a:t> </a:t>
-            </a:r>
-            <a:r>
-              <a:rPr lang="en-US" dirty="0"/>
-              <a:t>is lightweight Java neural network framework to develop common neural network architectures.</a:t>
-            </a:r>
-          </a:p>
-        </p:txBody>
-      </p:sp>
-      <p:pic>
-        <p:nvPicPr>
-          <p:cNvPr id="4" name="Picture 3"/>
-          <p:cNvPicPr>
-            <a:picLocks noChangeAspect="1"/>
-          </p:cNvPicPr>
-          <p:nvPr/>
         </p:nvPicPr>
         <p:blipFill>
           <a:blip r:embed="rId2">
@@ -15596,18 +15795,15 @@
         </p:blipFill>
         <p:spPr>
           <a:xfrm>
-            <a:off x="2771800" y="3645024"/>
-            <a:ext cx="3599703" cy="2409718"/>
+            <a:off x="1979712" y="2300016"/>
+            <a:ext cx="5174481" cy="3577256"/>
           </a:xfrm>
-          <a:prstGeom prst="rect">
-            <a:avLst/>
-          </a:prstGeom>
         </p:spPr>
       </p:pic>
     </p:spTree>
     <p:extLst>
       <p:ext uri="{BB962C8B-B14F-4D97-AF65-F5344CB8AC3E}">
-        <p14:creationId xmlns:p14="http://schemas.microsoft.com/office/powerpoint/2010/main" val="480478678"/>
+        <p14:creationId xmlns:p14="http://schemas.microsoft.com/office/powerpoint/2010/main" val="1129676452"/>
       </p:ext>
     </p:extLst>
   </p:cSld>
@@ -15662,53 +15858,45 @@
           <a:lstStyle/>
           <a:p>
             <a:r>
-              <a:rPr lang="en-US" dirty="0" smtClean="0"/>
-              <a:t>3. Experiments</a:t>
-            </a:r>
-            <a:endParaRPr lang="en-US" dirty="0"/>
-          </a:p>
-        </p:txBody>
-      </p:sp>
-      <p:sp>
-        <p:nvSpPr>
-          <p:cNvPr id="3" name="Content Placeholder 2"/>
-          <p:cNvSpPr>
-            <a:spLocks noGrp="1"/>
-          </p:cNvSpPr>
-          <p:nvPr>
-            <p:ph idx="1"/>
-          </p:nvPr>
-        </p:nvSpPr>
-        <p:spPr/>
-        <p:txBody>
-          <a:bodyPr/>
-          <a:lstStyle/>
-          <a:p>
-            <a:pPr marL="68580" indent="0" algn="just">
-              <a:buNone/>
-            </a:pPr>
-            <a:endParaRPr lang="en-US" dirty="0" smtClean="0"/>
-          </a:p>
-          <a:p>
-            <a:pPr algn="just"/>
-            <a:r>
-              <a:rPr lang="en-US" dirty="0" smtClean="0"/>
-              <a:t>Cross-validation technique to analyze accuracy of obtained classifier.</a:t>
-            </a:r>
-          </a:p>
-          <a:p>
-            <a:pPr algn="just"/>
-            <a:r>
-              <a:rPr lang="en-US" dirty="0" smtClean="0"/>
-              <a:t>Desktop application for executing cross-validation on different datasets.</a:t>
+              <a:rPr lang="en-US" dirty="0"/>
+              <a:t>2. Implementation</a:t>
             </a:r>
           </a:p>
         </p:txBody>
       </p:sp>
+      <p:pic>
+        <p:nvPicPr>
+          <p:cNvPr id="4" name="Content Placeholder 3"/>
+          <p:cNvPicPr>
+            <a:picLocks noGrp="1" noChangeAspect="1"/>
+          </p:cNvPicPr>
+          <p:nvPr>
+            <p:ph idx="1"/>
+          </p:nvPr>
+        </p:nvPicPr>
+        <p:blipFill>
+          <a:blip r:embed="rId2">
+            <a:extLst>
+              <a:ext uri="{28A0092B-C50C-407E-A947-70E740481C1C}">
+                <a14:useLocalDpi xmlns:a14="http://schemas.microsoft.com/office/drawing/2010/main" val="0"/>
+              </a:ext>
+            </a:extLst>
+          </a:blip>
+          <a:stretch>
+            <a:fillRect/>
+          </a:stretch>
+        </p:blipFill>
+        <p:spPr>
+          <a:xfrm>
+            <a:off x="1619672" y="2564904"/>
+            <a:ext cx="5945300" cy="2613486"/>
+          </a:xfrm>
+        </p:spPr>
+      </p:pic>
     </p:spTree>
     <p:extLst>
       <p:ext uri="{BB962C8B-B14F-4D97-AF65-F5344CB8AC3E}">
-        <p14:creationId xmlns:p14="http://schemas.microsoft.com/office/powerpoint/2010/main" val="963866837"/>
+        <p14:creationId xmlns:p14="http://schemas.microsoft.com/office/powerpoint/2010/main" val="4133088053"/>
       </p:ext>
     </p:extLst>
   </p:cSld>

--- a/Docs/Data Extraction for the Quantified Self v2.pptx
+++ b/Docs/Data Extraction for the Quantified Self v2.pptx
@@ -1,26 +1,30 @@
 
 <file path=ppt/presentation.xml><?xml version="1.0" encoding="utf-8"?>
-<p:presentation xmlns:a="http://schemas.openxmlformats.org/drawingml/2006/main" xmlns:r="http://schemas.openxmlformats.org/officeDocument/2006/relationships" xmlns:p="http://schemas.openxmlformats.org/presentationml/2006/main" saveSubsetFonts="1">
+<p:presentation xmlns:a="http://schemas.openxmlformats.org/drawingml/2006/main" xmlns:r="http://schemas.openxmlformats.org/officeDocument/2006/relationships" xmlns:p="http://schemas.openxmlformats.org/presentationml/2006/main" showSpecialPlsOnTitleSld="0" saveSubsetFonts="1">
   <p:sldMasterIdLst>
     <p:sldMasterId id="2147483672" r:id="rId1"/>
   </p:sldMasterIdLst>
+  <p:notesMasterIdLst>
+    <p:notesMasterId r:id="rId19"/>
+  </p:notesMasterIdLst>
   <p:sldIdLst>
     <p:sldId id="256" r:id="rId2"/>
     <p:sldId id="257" r:id="rId3"/>
     <p:sldId id="265" r:id="rId4"/>
     <p:sldId id="258" r:id="rId5"/>
-    <p:sldId id="262" r:id="rId6"/>
-    <p:sldId id="259" r:id="rId7"/>
-    <p:sldId id="264" r:id="rId8"/>
-    <p:sldId id="271" r:id="rId9"/>
-    <p:sldId id="272" r:id="rId10"/>
-    <p:sldId id="266" r:id="rId11"/>
-    <p:sldId id="260" r:id="rId12"/>
-    <p:sldId id="269" r:id="rId13"/>
-    <p:sldId id="267" r:id="rId14"/>
-    <p:sldId id="268" r:id="rId15"/>
-    <p:sldId id="270" r:id="rId16"/>
-    <p:sldId id="261" r:id="rId17"/>
+    <p:sldId id="273" r:id="rId6"/>
+    <p:sldId id="262" r:id="rId7"/>
+    <p:sldId id="259" r:id="rId8"/>
+    <p:sldId id="264" r:id="rId9"/>
+    <p:sldId id="271" r:id="rId10"/>
+    <p:sldId id="272" r:id="rId11"/>
+    <p:sldId id="266" r:id="rId12"/>
+    <p:sldId id="260" r:id="rId13"/>
+    <p:sldId id="269" r:id="rId14"/>
+    <p:sldId id="267" r:id="rId15"/>
+    <p:sldId id="268" r:id="rId16"/>
+    <p:sldId id="270" r:id="rId17"/>
+    <p:sldId id="261" r:id="rId18"/>
   </p:sldIdLst>
   <p:sldSz cx="9144000" cy="6858000" type="screen4x3"/>
   <p:notesSz cx="6858000" cy="9144000"/>
@@ -120,6 +124,356 @@
     </a:lvl9pPr>
   </p:defaultTextStyle>
 </p:presentation>
+</file>
+
+<file path=ppt/notesMasters/notesMaster1.xml><?xml version="1.0" encoding="utf-8"?>
+<p:notesMaster xmlns:a="http://schemas.openxmlformats.org/drawingml/2006/main" xmlns:r="http://schemas.openxmlformats.org/officeDocument/2006/relationships" xmlns:p="http://schemas.openxmlformats.org/presentationml/2006/main">
+  <p:cSld>
+    <p:bg>
+      <p:bgRef idx="1001">
+        <a:schemeClr val="bg1"/>
+      </p:bgRef>
+    </p:bg>
+    <p:spTree>
+      <p:nvGrpSpPr>
+        <p:cNvPr id="1" name=""/>
+        <p:cNvGrpSpPr/>
+        <p:nvPr/>
+      </p:nvGrpSpPr>
+      <p:grpSpPr>
+        <a:xfrm>
+          <a:off x="0" y="0"/>
+          <a:ext cx="0" cy="0"/>
+          <a:chOff x="0" y="0"/>
+          <a:chExt cx="0" cy="0"/>
+        </a:xfrm>
+      </p:grpSpPr>
+      <p:sp>
+        <p:nvSpPr>
+          <p:cNvPr id="2" name="Header Placeholder 1"/>
+          <p:cNvSpPr>
+            <a:spLocks noGrp="1"/>
+          </p:cNvSpPr>
+          <p:nvPr>
+            <p:ph type="hdr" sz="quarter"/>
+          </p:nvPr>
+        </p:nvSpPr>
+        <p:spPr>
+          <a:xfrm>
+            <a:off x="0" y="0"/>
+            <a:ext cx="2971800" cy="457200"/>
+          </a:xfrm>
+          <a:prstGeom prst="rect">
+            <a:avLst/>
+          </a:prstGeom>
+        </p:spPr>
+        <p:txBody>
+          <a:bodyPr vert="horz" lIns="91440" tIns="45720" rIns="91440" bIns="45720" rtlCol="0"/>
+          <a:lstStyle>
+            <a:lvl1pPr algn="l">
+              <a:defRPr sz="1200"/>
+            </a:lvl1pPr>
+          </a:lstStyle>
+          <a:p>
+            <a:endParaRPr lang="en-US"/>
+          </a:p>
+        </p:txBody>
+      </p:sp>
+      <p:sp>
+        <p:nvSpPr>
+          <p:cNvPr id="3" name="Date Placeholder 2"/>
+          <p:cNvSpPr>
+            <a:spLocks noGrp="1"/>
+          </p:cNvSpPr>
+          <p:nvPr>
+            <p:ph type="dt" idx="1"/>
+          </p:nvPr>
+        </p:nvSpPr>
+        <p:spPr>
+          <a:xfrm>
+            <a:off x="3884613" y="0"/>
+            <a:ext cx="2971800" cy="457200"/>
+          </a:xfrm>
+          <a:prstGeom prst="rect">
+            <a:avLst/>
+          </a:prstGeom>
+        </p:spPr>
+        <p:txBody>
+          <a:bodyPr vert="horz" lIns="91440" tIns="45720" rIns="91440" bIns="45720" rtlCol="0"/>
+          <a:lstStyle>
+            <a:lvl1pPr algn="r">
+              <a:defRPr sz="1200"/>
+            </a:lvl1pPr>
+          </a:lstStyle>
+          <a:p>
+            <a:fld id="{612CD664-617F-4929-B12D-812D73D89B2C}" type="datetimeFigureOut">
+              <a:rPr lang="en-US" smtClean="0"/>
+              <a:t>7/16/2013</a:t>
+            </a:fld>
+            <a:endParaRPr lang="en-US"/>
+          </a:p>
+        </p:txBody>
+      </p:sp>
+      <p:sp>
+        <p:nvSpPr>
+          <p:cNvPr id="4" name="Slide Image Placeholder 3"/>
+          <p:cNvSpPr>
+            <a:spLocks noGrp="1" noRot="1" noChangeAspect="1"/>
+          </p:cNvSpPr>
+          <p:nvPr>
+            <p:ph type="sldImg" idx="2"/>
+          </p:nvPr>
+        </p:nvSpPr>
+        <p:spPr>
+          <a:xfrm>
+            <a:off x="1143000" y="685800"/>
+            <a:ext cx="4572000" cy="3429000"/>
+          </a:xfrm>
+          <a:prstGeom prst="rect">
+            <a:avLst/>
+          </a:prstGeom>
+          <a:noFill/>
+          <a:ln w="12700">
+            <a:solidFill>
+              <a:prstClr val="black"/>
+            </a:solidFill>
+          </a:ln>
+        </p:spPr>
+        <p:txBody>
+          <a:bodyPr vert="horz" lIns="91440" tIns="45720" rIns="91440" bIns="45720" rtlCol="0" anchor="ctr"/>
+          <a:lstStyle/>
+          <a:p>
+            <a:endParaRPr lang="en-US"/>
+          </a:p>
+        </p:txBody>
+      </p:sp>
+      <p:sp>
+        <p:nvSpPr>
+          <p:cNvPr id="5" name="Notes Placeholder 4"/>
+          <p:cNvSpPr>
+            <a:spLocks noGrp="1"/>
+          </p:cNvSpPr>
+          <p:nvPr>
+            <p:ph type="body" sz="quarter" idx="3"/>
+          </p:nvPr>
+        </p:nvSpPr>
+        <p:spPr>
+          <a:xfrm>
+            <a:off x="685800" y="4343400"/>
+            <a:ext cx="5486400" cy="4114800"/>
+          </a:xfrm>
+          <a:prstGeom prst="rect">
+            <a:avLst/>
+          </a:prstGeom>
+        </p:spPr>
+        <p:txBody>
+          <a:bodyPr vert="horz" lIns="91440" tIns="45720" rIns="91440" bIns="45720" rtlCol="0"/>
+          <a:lstStyle/>
+          <a:p>
+            <a:pPr lvl="0"/>
+            <a:r>
+              <a:rPr lang="en-US" smtClean="0"/>
+              <a:t>Click to edit Master text styles</a:t>
+            </a:r>
+          </a:p>
+          <a:p>
+            <a:pPr lvl="1"/>
+            <a:r>
+              <a:rPr lang="en-US" smtClean="0"/>
+              <a:t>Second level</a:t>
+            </a:r>
+          </a:p>
+          <a:p>
+            <a:pPr lvl="2"/>
+            <a:r>
+              <a:rPr lang="en-US" smtClean="0"/>
+              <a:t>Third level</a:t>
+            </a:r>
+          </a:p>
+          <a:p>
+            <a:pPr lvl="3"/>
+            <a:r>
+              <a:rPr lang="en-US" smtClean="0"/>
+              <a:t>Fourth level</a:t>
+            </a:r>
+          </a:p>
+          <a:p>
+            <a:pPr lvl="4"/>
+            <a:r>
+              <a:rPr lang="en-US" smtClean="0"/>
+              <a:t>Fifth level</a:t>
+            </a:r>
+            <a:endParaRPr lang="en-US"/>
+          </a:p>
+        </p:txBody>
+      </p:sp>
+      <p:sp>
+        <p:nvSpPr>
+          <p:cNvPr id="6" name="Footer Placeholder 5"/>
+          <p:cNvSpPr>
+            <a:spLocks noGrp="1"/>
+          </p:cNvSpPr>
+          <p:nvPr>
+            <p:ph type="ftr" sz="quarter" idx="4"/>
+          </p:nvPr>
+        </p:nvSpPr>
+        <p:spPr>
+          <a:xfrm>
+            <a:off x="0" y="8685213"/>
+            <a:ext cx="2971800" cy="457200"/>
+          </a:xfrm>
+          <a:prstGeom prst="rect">
+            <a:avLst/>
+          </a:prstGeom>
+        </p:spPr>
+        <p:txBody>
+          <a:bodyPr vert="horz" lIns="91440" tIns="45720" rIns="91440" bIns="45720" rtlCol="0" anchor="b"/>
+          <a:lstStyle>
+            <a:lvl1pPr algn="l">
+              <a:defRPr sz="1200"/>
+            </a:lvl1pPr>
+          </a:lstStyle>
+          <a:p>
+            <a:endParaRPr lang="en-US"/>
+          </a:p>
+        </p:txBody>
+      </p:sp>
+      <p:sp>
+        <p:nvSpPr>
+          <p:cNvPr id="7" name="Slide Number Placeholder 6"/>
+          <p:cNvSpPr>
+            <a:spLocks noGrp="1"/>
+          </p:cNvSpPr>
+          <p:nvPr>
+            <p:ph type="sldNum" sz="quarter" idx="5"/>
+          </p:nvPr>
+        </p:nvSpPr>
+        <p:spPr>
+          <a:xfrm>
+            <a:off x="3884613" y="8685213"/>
+            <a:ext cx="2971800" cy="457200"/>
+          </a:xfrm>
+          <a:prstGeom prst="rect">
+            <a:avLst/>
+          </a:prstGeom>
+        </p:spPr>
+        <p:txBody>
+          <a:bodyPr vert="horz" lIns="91440" tIns="45720" rIns="91440" bIns="45720" rtlCol="0" anchor="b"/>
+          <a:lstStyle>
+            <a:lvl1pPr algn="r">
+              <a:defRPr sz="1200"/>
+            </a:lvl1pPr>
+          </a:lstStyle>
+          <a:p>
+            <a:fld id="{FB682D15-6D23-4625-9BD7-5318CE9E1986}" type="slidenum">
+              <a:rPr lang="en-US" smtClean="0"/>
+              <a:t>‹#›</a:t>
+            </a:fld>
+            <a:endParaRPr lang="en-US"/>
+          </a:p>
+        </p:txBody>
+      </p:sp>
+    </p:spTree>
+    <p:extLst>
+      <p:ext uri="{BB962C8B-B14F-4D97-AF65-F5344CB8AC3E}">
+        <p14:creationId xmlns:p14="http://schemas.microsoft.com/office/powerpoint/2010/main" val="3970049069"/>
+      </p:ext>
+    </p:extLst>
+  </p:cSld>
+  <p:clrMap bg1="lt1" tx1="dk1" bg2="lt2" tx2="dk2" accent1="accent1" accent2="accent2" accent3="accent3" accent4="accent4" accent5="accent5" accent6="accent6" hlink="hlink" folHlink="folHlink"/>
+  <p:notesStyle>
+    <a:lvl1pPr marL="0" algn="l" defTabSz="914400" rtl="0" eaLnBrk="1" latinLnBrk="0" hangingPunct="1">
+      <a:defRPr sz="1200" kern="1200">
+        <a:solidFill>
+          <a:schemeClr val="tx1"/>
+        </a:solidFill>
+        <a:latin typeface="+mn-lt"/>
+        <a:ea typeface="+mn-ea"/>
+        <a:cs typeface="+mn-cs"/>
+      </a:defRPr>
+    </a:lvl1pPr>
+    <a:lvl2pPr marL="457200" algn="l" defTabSz="914400" rtl="0" eaLnBrk="1" latinLnBrk="0" hangingPunct="1">
+      <a:defRPr sz="1200" kern="1200">
+        <a:solidFill>
+          <a:schemeClr val="tx1"/>
+        </a:solidFill>
+        <a:latin typeface="+mn-lt"/>
+        <a:ea typeface="+mn-ea"/>
+        <a:cs typeface="+mn-cs"/>
+      </a:defRPr>
+    </a:lvl2pPr>
+    <a:lvl3pPr marL="914400" algn="l" defTabSz="914400" rtl="0" eaLnBrk="1" latinLnBrk="0" hangingPunct="1">
+      <a:defRPr sz="1200" kern="1200">
+        <a:solidFill>
+          <a:schemeClr val="tx1"/>
+        </a:solidFill>
+        <a:latin typeface="+mn-lt"/>
+        <a:ea typeface="+mn-ea"/>
+        <a:cs typeface="+mn-cs"/>
+      </a:defRPr>
+    </a:lvl3pPr>
+    <a:lvl4pPr marL="1371600" algn="l" defTabSz="914400" rtl="0" eaLnBrk="1" latinLnBrk="0" hangingPunct="1">
+      <a:defRPr sz="1200" kern="1200">
+        <a:solidFill>
+          <a:schemeClr val="tx1"/>
+        </a:solidFill>
+        <a:latin typeface="+mn-lt"/>
+        <a:ea typeface="+mn-ea"/>
+        <a:cs typeface="+mn-cs"/>
+      </a:defRPr>
+    </a:lvl4pPr>
+    <a:lvl5pPr marL="1828800" algn="l" defTabSz="914400" rtl="0" eaLnBrk="1" latinLnBrk="0" hangingPunct="1">
+      <a:defRPr sz="1200" kern="1200">
+        <a:solidFill>
+          <a:schemeClr val="tx1"/>
+        </a:solidFill>
+        <a:latin typeface="+mn-lt"/>
+        <a:ea typeface="+mn-ea"/>
+        <a:cs typeface="+mn-cs"/>
+      </a:defRPr>
+    </a:lvl5pPr>
+    <a:lvl6pPr marL="2286000" algn="l" defTabSz="914400" rtl="0" eaLnBrk="1" latinLnBrk="0" hangingPunct="1">
+      <a:defRPr sz="1200" kern="1200">
+        <a:solidFill>
+          <a:schemeClr val="tx1"/>
+        </a:solidFill>
+        <a:latin typeface="+mn-lt"/>
+        <a:ea typeface="+mn-ea"/>
+        <a:cs typeface="+mn-cs"/>
+      </a:defRPr>
+    </a:lvl6pPr>
+    <a:lvl7pPr marL="2743200" algn="l" defTabSz="914400" rtl="0" eaLnBrk="1" latinLnBrk="0" hangingPunct="1">
+      <a:defRPr sz="1200" kern="1200">
+        <a:solidFill>
+          <a:schemeClr val="tx1"/>
+        </a:solidFill>
+        <a:latin typeface="+mn-lt"/>
+        <a:ea typeface="+mn-ea"/>
+        <a:cs typeface="+mn-cs"/>
+      </a:defRPr>
+    </a:lvl7pPr>
+    <a:lvl8pPr marL="3200400" algn="l" defTabSz="914400" rtl="0" eaLnBrk="1" latinLnBrk="0" hangingPunct="1">
+      <a:defRPr sz="1200" kern="1200">
+        <a:solidFill>
+          <a:schemeClr val="tx1"/>
+        </a:solidFill>
+        <a:latin typeface="+mn-lt"/>
+        <a:ea typeface="+mn-ea"/>
+        <a:cs typeface="+mn-cs"/>
+      </a:defRPr>
+    </a:lvl8pPr>
+    <a:lvl9pPr marL="3657600" algn="l" defTabSz="914400" rtl="0" eaLnBrk="1" latinLnBrk="0" hangingPunct="1">
+      <a:defRPr sz="1200" kern="1200">
+        <a:solidFill>
+          <a:schemeClr val="tx1"/>
+        </a:solidFill>
+        <a:latin typeface="+mn-lt"/>
+        <a:ea typeface="+mn-ea"/>
+        <a:cs typeface="+mn-cs"/>
+      </a:defRPr>
+    </a:lvl9pPr>
+  </p:notesStyle>
+</p:notesMaster>
 </file>
 
 <file path=ppt/slideLayouts/slideLayout1.xml><?xml version="1.0" encoding="utf-8"?>
@@ -2877,7 +3231,7 @@
             </a:lvl1pPr>
           </a:lstStyle>
           <a:p>
-            <a:fld id="{9284C280-8E67-4809-8607-67EF543FE5FF}" type="datetimeFigureOut">
+            <a:fld id="{098007E5-CCC3-4A58-8564-D7902707E275}" type="datetime1">
               <a:rPr lang="en-US" smtClean="0"/>
               <a:t>7/16/2013</a:t>
             </a:fld>
@@ -3162,7 +3516,7 @@
           <a:bodyPr/>
           <a:lstStyle/>
           <a:p>
-            <a:fld id="{9284C280-8E67-4809-8607-67EF543FE5FF}" type="datetimeFigureOut">
+            <a:fld id="{F940F05C-52BB-44C4-9560-F5EA2BFABA36}" type="datetime1">
               <a:rPr lang="en-US" smtClean="0"/>
               <a:t>7/16/2013</a:t>
             </a:fld>
@@ -3337,7 +3691,7 @@
           <a:bodyPr/>
           <a:lstStyle/>
           <a:p>
-            <a:fld id="{9284C280-8E67-4809-8607-67EF543FE5FF}" type="datetimeFigureOut">
+            <a:fld id="{BD83DE23-B4C0-4892-9584-1CDFBF2FE0B5}" type="datetime1">
               <a:rPr lang="en-US" smtClean="0"/>
               <a:t>7/16/2013</a:t>
             </a:fld>
@@ -3502,7 +3856,7 @@
           <a:bodyPr/>
           <a:lstStyle/>
           <a:p>
-            <a:fld id="{9284C280-8E67-4809-8607-67EF543FE5FF}" type="datetimeFigureOut">
+            <a:fld id="{1832FF03-6A69-4185-91FA-D64559F26ECE}" type="datetime1">
               <a:rPr lang="en-US" smtClean="0"/>
               <a:t>7/16/2013</a:t>
             </a:fld>
@@ -3743,7 +4097,7 @@
           <a:bodyPr/>
           <a:lstStyle/>
           <a:p>
-            <a:fld id="{9284C280-8E67-4809-8607-67EF543FE5FF}" type="datetimeFigureOut">
+            <a:fld id="{55467941-FD3E-4C11-BC8C-189B9EAC2AE8}" type="datetime1">
               <a:rPr lang="en-US" smtClean="0"/>
               <a:t>7/16/2013</a:t>
             </a:fld>
@@ -3856,7 +4210,7 @@
           <a:bodyPr/>
           <a:lstStyle/>
           <a:p>
-            <a:fld id="{9284C280-8E67-4809-8607-67EF543FE5FF}" type="datetimeFigureOut">
+            <a:fld id="{C344DDEA-7B27-4237-88DC-53CB300546D2}" type="datetime1">
               <a:rPr lang="en-US" smtClean="0"/>
               <a:t>7/16/2013</a:t>
             </a:fld>
@@ -4395,7 +4749,7 @@
           <a:bodyPr/>
           <a:lstStyle/>
           <a:p>
-            <a:fld id="{9284C280-8E67-4809-8607-67EF543FE5FF}" type="datetimeFigureOut">
+            <a:fld id="{E65E7DCE-31B7-49B0-BAF4-FC3EA4EA8031}" type="datetime1">
               <a:rPr lang="en-US" smtClean="0"/>
               <a:t>7/16/2013</a:t>
             </a:fld>
@@ -4508,7 +4862,7 @@
           <a:bodyPr/>
           <a:lstStyle/>
           <a:p>
-            <a:fld id="{9284C280-8E67-4809-8607-67EF543FE5FF}" type="datetimeFigureOut">
+            <a:fld id="{7584DC7D-8959-454D-BCB7-8D8F5A6681B7}" type="datetime1">
               <a:rPr lang="en-US" smtClean="0"/>
               <a:t>7/16/2013</a:t>
             </a:fld>
@@ -4598,7 +4952,7 @@
           <a:bodyPr/>
           <a:lstStyle/>
           <a:p>
-            <a:fld id="{9284C280-8E67-4809-8607-67EF543FE5FF}" type="datetimeFigureOut">
+            <a:fld id="{4D8645FC-7C67-438C-AAFD-BE42A8DFD3C2}" type="datetime1">
               <a:rPr lang="en-US" smtClean="0"/>
               <a:t>7/16/2013</a:t>
             </a:fld>
@@ -7249,7 +7603,7 @@
           <a:bodyPr/>
           <a:lstStyle/>
           <a:p>
-            <a:fld id="{9284C280-8E67-4809-8607-67EF543FE5FF}" type="datetimeFigureOut">
+            <a:fld id="{BBC32345-F0F6-4B3E-BC43-2701A43448DC}" type="datetime1">
               <a:rPr lang="en-US" smtClean="0"/>
               <a:t>7/16/2013</a:t>
             </a:fld>
@@ -10461,7 +10815,7 @@
           <a:bodyPr/>
           <a:lstStyle/>
           <a:p>
-            <a:fld id="{9284C280-8E67-4809-8607-67EF543FE5FF}" type="datetimeFigureOut">
+            <a:fld id="{967B6186-D2D0-421A-871E-FF9B016804C7}" type="datetime1">
               <a:rPr lang="en-US" smtClean="0"/>
               <a:t>7/16/2013</a:t>
             </a:fld>
@@ -13283,7 +13637,7 @@
             </a:lvl1pPr>
           </a:lstStyle>
           <a:p>
-            <a:fld id="{9284C280-8E67-4809-8607-67EF543FE5FF}" type="datetimeFigureOut">
+            <a:fld id="{B7018AC4-927E-4D37-AED5-361E7589675B}" type="datetime1">
               <a:rPr lang="en-US" smtClean="0"/>
               <a:t>7/16/2013</a:t>
             </a:fld>
@@ -13381,6 +13735,7 @@
     <p:sldLayoutId id="2147483682" r:id="rId10"/>
     <p:sldLayoutId id="2147483683" r:id="rId11"/>
   </p:sldLayoutIdLst>
+  <p:hf hdr="0" ftr="0" dt="0"/>
   <p:txStyles>
     <p:titleStyle>
       <a:lvl1pPr algn="l" defTabSz="914400" rtl="0" eaLnBrk="1" latinLnBrk="0" hangingPunct="1">
@@ -13868,46 +14223,15 @@
           </a:p>
         </p:txBody>
       </p:sp>
-      <p:sp>
-        <p:nvSpPr>
-          <p:cNvPr id="3" name="Content Placeholder 2"/>
-          <p:cNvSpPr>
-            <a:spLocks noGrp="1"/>
-          </p:cNvSpPr>
+      <p:pic>
+        <p:nvPicPr>
+          <p:cNvPr id="4" name="Content Placeholder 3"/>
+          <p:cNvPicPr>
+            <a:picLocks noGrp="1" noChangeAspect="1"/>
+          </p:cNvPicPr>
           <p:nvPr>
             <p:ph idx="1"/>
           </p:nvPr>
-        </p:nvSpPr>
-        <p:spPr/>
-        <p:txBody>
-          <a:bodyPr/>
-          <a:lstStyle/>
-          <a:p>
-            <a:pPr marL="68580" indent="0" algn="just">
-              <a:buNone/>
-            </a:pPr>
-            <a:r>
-              <a:rPr lang="en-US" b="1" dirty="0" err="1" smtClean="0"/>
-              <a:t>Neuroph</a:t>
-            </a:r>
-            <a:r>
-              <a:rPr lang="en-US" dirty="0" smtClean="0"/>
-              <a:t> </a:t>
-            </a:r>
-            <a:r>
-              <a:rPr lang="en-US" dirty="0"/>
-              <a:t>is lightweight Java neural network framework to develop common neural network architectures.</a:t>
-            </a:r>
-          </a:p>
-        </p:txBody>
-      </p:sp>
-      <p:pic>
-        <p:nvPicPr>
-          <p:cNvPr id="4" name="Picture 3"/>
-          <p:cNvPicPr>
-            <a:picLocks noChangeAspect="1"/>
-          </p:cNvPicPr>
-          <p:nvPr/>
         </p:nvPicPr>
         <p:blipFill>
           <a:blip r:embed="rId2">
@@ -13923,18 +14247,38 @@
         </p:blipFill>
         <p:spPr>
           <a:xfrm>
-            <a:off x="2771800" y="3645024"/>
-            <a:ext cx="3599703" cy="2409718"/>
+            <a:off x="1619672" y="2564904"/>
+            <a:ext cx="5945300" cy="2613486"/>
           </a:xfrm>
-          <a:prstGeom prst="rect">
-            <a:avLst/>
-          </a:prstGeom>
         </p:spPr>
       </p:pic>
+      <p:sp>
+        <p:nvSpPr>
+          <p:cNvPr id="3" name="Slide Number Placeholder 2"/>
+          <p:cNvSpPr>
+            <a:spLocks noGrp="1"/>
+          </p:cNvSpPr>
+          <p:nvPr>
+            <p:ph type="sldNum" sz="quarter" idx="12"/>
+          </p:nvPr>
+        </p:nvSpPr>
+        <p:spPr/>
+        <p:txBody>
+          <a:bodyPr/>
+          <a:lstStyle/>
+          <a:p>
+            <a:fld id="{24A4B31A-CDFF-4BC9-A290-18A5B4FA65D6}" type="slidenum">
+              <a:rPr lang="en-US" smtClean="0"/>
+              <a:t>10</a:t>
+            </a:fld>
+            <a:endParaRPr lang="en-US"/>
+          </a:p>
+        </p:txBody>
+      </p:sp>
     </p:spTree>
     <p:extLst>
       <p:ext uri="{BB962C8B-B14F-4D97-AF65-F5344CB8AC3E}">
-        <p14:creationId xmlns:p14="http://schemas.microsoft.com/office/powerpoint/2010/main" val="480478678"/>
+        <p14:creationId xmlns:p14="http://schemas.microsoft.com/office/powerpoint/2010/main" val="4133088053"/>
       </p:ext>
     </p:extLst>
   </p:cSld>
@@ -13989,10 +14333,9 @@
           <a:lstStyle/>
           <a:p>
             <a:r>
-              <a:rPr lang="en-US" dirty="0" smtClean="0"/>
-              <a:t>3. Experiments</a:t>
+              <a:rPr lang="en-US" dirty="0"/>
+              <a:t>2. Implementation</a:t>
             </a:r>
-            <a:endParaRPr lang="en-US" dirty="0"/>
           </a:p>
         </p:txBody>
       </p:sp>
@@ -14014,6 +14357,157 @@
             <a:pPr marL="68580" indent="0" algn="just">
               <a:buNone/>
             </a:pPr>
+            <a:r>
+              <a:rPr lang="en-US" b="1" dirty="0" err="1" smtClean="0"/>
+              <a:t>Neuroph</a:t>
+            </a:r>
+            <a:r>
+              <a:rPr lang="en-US" dirty="0" smtClean="0"/>
+              <a:t> </a:t>
+            </a:r>
+            <a:r>
+              <a:rPr lang="en-US" dirty="0"/>
+              <a:t>is lightweight Java neural network framework to develop common neural network architectures.</a:t>
+            </a:r>
+          </a:p>
+        </p:txBody>
+      </p:sp>
+      <p:pic>
+        <p:nvPicPr>
+          <p:cNvPr id="4" name="Picture 3"/>
+          <p:cNvPicPr>
+            <a:picLocks noChangeAspect="1"/>
+          </p:cNvPicPr>
+          <p:nvPr/>
+        </p:nvPicPr>
+        <p:blipFill>
+          <a:blip r:embed="rId2">
+            <a:extLst>
+              <a:ext uri="{28A0092B-C50C-407E-A947-70E740481C1C}">
+                <a14:useLocalDpi xmlns:a14="http://schemas.microsoft.com/office/drawing/2010/main" val="0"/>
+              </a:ext>
+            </a:extLst>
+          </a:blip>
+          <a:stretch>
+            <a:fillRect/>
+          </a:stretch>
+        </p:blipFill>
+        <p:spPr>
+          <a:xfrm>
+            <a:off x="2771800" y="3645024"/>
+            <a:ext cx="3599703" cy="2409718"/>
+          </a:xfrm>
+          <a:prstGeom prst="rect">
+            <a:avLst/>
+          </a:prstGeom>
+        </p:spPr>
+      </p:pic>
+      <p:sp>
+        <p:nvSpPr>
+          <p:cNvPr id="5" name="Slide Number Placeholder 4"/>
+          <p:cNvSpPr>
+            <a:spLocks noGrp="1"/>
+          </p:cNvSpPr>
+          <p:nvPr>
+            <p:ph type="sldNum" sz="quarter" idx="12"/>
+          </p:nvPr>
+        </p:nvSpPr>
+        <p:spPr/>
+        <p:txBody>
+          <a:bodyPr/>
+          <a:lstStyle/>
+          <a:p>
+            <a:fld id="{24A4B31A-CDFF-4BC9-A290-18A5B4FA65D6}" type="slidenum">
+              <a:rPr lang="en-US" smtClean="0"/>
+              <a:t>11</a:t>
+            </a:fld>
+            <a:endParaRPr lang="en-US"/>
+          </a:p>
+        </p:txBody>
+      </p:sp>
+    </p:spTree>
+    <p:extLst>
+      <p:ext uri="{BB962C8B-B14F-4D97-AF65-F5344CB8AC3E}">
+        <p14:creationId xmlns:p14="http://schemas.microsoft.com/office/powerpoint/2010/main" val="480478678"/>
+      </p:ext>
+    </p:extLst>
+  </p:cSld>
+  <p:clrMapOvr>
+    <a:masterClrMapping/>
+  </p:clrMapOvr>
+  <p:timing>
+    <p:tnLst>
+      <p:par>
+        <p:cTn id="1" dur="indefinite" restart="never" nodeType="tmRoot"/>
+      </p:par>
+    </p:tnLst>
+  </p:timing>
+</p:sld>
+</file>
+
+<file path=ppt/slides/slide12.xml><?xml version="1.0" encoding="utf-8"?>
+<p:sld xmlns:a="http://schemas.openxmlformats.org/drawingml/2006/main" xmlns:r="http://schemas.openxmlformats.org/officeDocument/2006/relationships" xmlns:p="http://schemas.openxmlformats.org/presentationml/2006/main">
+  <p:cSld>
+    <p:spTree>
+      <p:nvGrpSpPr>
+        <p:cNvPr id="1" name=""/>
+        <p:cNvGrpSpPr/>
+        <p:nvPr/>
+      </p:nvGrpSpPr>
+      <p:grpSpPr>
+        <a:xfrm>
+          <a:off x="0" y="0"/>
+          <a:ext cx="0" cy="0"/>
+          <a:chOff x="0" y="0"/>
+          <a:chExt cx="0" cy="0"/>
+        </a:xfrm>
+      </p:grpSpPr>
+      <p:sp>
+        <p:nvSpPr>
+          <p:cNvPr id="2" name="Title 1"/>
+          <p:cNvSpPr>
+            <a:spLocks noGrp="1"/>
+          </p:cNvSpPr>
+          <p:nvPr>
+            <p:ph type="title"/>
+          </p:nvPr>
+        </p:nvSpPr>
+        <p:spPr>
+          <a:xfrm>
+            <a:off x="1043490" y="1027664"/>
+            <a:ext cx="7024744" cy="828000"/>
+          </a:xfrm>
+        </p:spPr>
+        <p:txBody>
+          <a:bodyPr/>
+          <a:lstStyle/>
+          <a:p>
+            <a:r>
+              <a:rPr lang="en-US" dirty="0" smtClean="0"/>
+              <a:t>3. Experiments</a:t>
+            </a:r>
+            <a:endParaRPr lang="en-US" dirty="0"/>
+          </a:p>
+        </p:txBody>
+      </p:sp>
+      <p:sp>
+        <p:nvSpPr>
+          <p:cNvPr id="3" name="Content Placeholder 2"/>
+          <p:cNvSpPr>
+            <a:spLocks noGrp="1"/>
+          </p:cNvSpPr>
+          <p:nvPr>
+            <p:ph idx="1"/>
+          </p:nvPr>
+        </p:nvSpPr>
+        <p:spPr/>
+        <p:txBody>
+          <a:bodyPr/>
+          <a:lstStyle/>
+          <a:p>
+            <a:pPr marL="68580" indent="0" algn="just">
+              <a:buNone/>
+            </a:pPr>
             <a:endParaRPr lang="en-US" dirty="0" smtClean="0"/>
           </a:p>
           <a:p>
@@ -14029,6 +14523,29 @@
               <a:rPr lang="en-US" dirty="0" smtClean="0"/>
               <a:t>Desktop application for executing cross-validation on different datasets.</a:t>
             </a:r>
+          </a:p>
+        </p:txBody>
+      </p:sp>
+      <p:sp>
+        <p:nvSpPr>
+          <p:cNvPr id="4" name="Slide Number Placeholder 3"/>
+          <p:cNvSpPr>
+            <a:spLocks noGrp="1"/>
+          </p:cNvSpPr>
+          <p:nvPr>
+            <p:ph type="sldNum" sz="quarter" idx="12"/>
+          </p:nvPr>
+        </p:nvSpPr>
+        <p:spPr/>
+        <p:txBody>
+          <a:bodyPr/>
+          <a:lstStyle/>
+          <a:p>
+            <a:fld id="{24A4B31A-CDFF-4BC9-A290-18A5B4FA65D6}" type="slidenum">
+              <a:rPr lang="en-US" smtClean="0"/>
+              <a:t>12</a:t>
+            </a:fld>
+            <a:endParaRPr lang="en-US"/>
           </a:p>
         </p:txBody>
       </p:sp>
@@ -14052,7 +14569,7 @@
 </p:sld>
 </file>
 
-<file path=ppt/slides/slide12.xml><?xml version="1.0" encoding="utf-8"?>
+<file path=ppt/slides/slide13.xml><?xml version="1.0" encoding="utf-8"?>
 <p:sld xmlns:a="http://schemas.openxmlformats.org/drawingml/2006/main" xmlns:r="http://schemas.openxmlformats.org/officeDocument/2006/relationships" xmlns:p="http://schemas.openxmlformats.org/presentationml/2006/main">
   <p:cSld>
     <p:spTree>
@@ -14582,6 +15099,29 @@
           </a:fontRef>
         </p:style>
       </p:cxnSp>
+      <p:sp>
+        <p:nvSpPr>
+          <p:cNvPr id="3" name="Slide Number Placeholder 2"/>
+          <p:cNvSpPr>
+            <a:spLocks noGrp="1"/>
+          </p:cNvSpPr>
+          <p:nvPr>
+            <p:ph type="sldNum" sz="quarter" idx="12"/>
+          </p:nvPr>
+        </p:nvSpPr>
+        <p:spPr/>
+        <p:txBody>
+          <a:bodyPr/>
+          <a:lstStyle/>
+          <a:p>
+            <a:fld id="{24A4B31A-CDFF-4BC9-A290-18A5B4FA65D6}" type="slidenum">
+              <a:rPr lang="en-US" smtClean="0"/>
+              <a:t>13</a:t>
+            </a:fld>
+            <a:endParaRPr lang="en-US"/>
+          </a:p>
+        </p:txBody>
+      </p:sp>
     </p:spTree>
     <p:extLst>
       <p:ext uri="{BB962C8B-B14F-4D97-AF65-F5344CB8AC3E}">
@@ -14602,7 +15142,7 @@
 </p:sld>
 </file>
 
-<file path=ppt/slides/slide13.xml><?xml version="1.0" encoding="utf-8"?>
+<file path=ppt/slides/slide14.xml><?xml version="1.0" encoding="utf-8"?>
 <p:sld xmlns:a="http://schemas.openxmlformats.org/drawingml/2006/main" xmlns:r="http://schemas.openxmlformats.org/officeDocument/2006/relationships" xmlns:p="http://schemas.openxmlformats.org/presentationml/2006/main">
   <p:cSld>
     <p:spTree>
@@ -14675,104 +15215,33 @@
           </a:xfrm>
         </p:spPr>
       </p:pic>
+      <p:sp>
+        <p:nvSpPr>
+          <p:cNvPr id="3" name="Slide Number Placeholder 2"/>
+          <p:cNvSpPr>
+            <a:spLocks noGrp="1"/>
+          </p:cNvSpPr>
+          <p:nvPr>
+            <p:ph type="sldNum" sz="quarter" idx="12"/>
+          </p:nvPr>
+        </p:nvSpPr>
+        <p:spPr/>
+        <p:txBody>
+          <a:bodyPr/>
+          <a:lstStyle/>
+          <a:p>
+            <a:fld id="{24A4B31A-CDFF-4BC9-A290-18A5B4FA65D6}" type="slidenum">
+              <a:rPr lang="en-US" smtClean="0"/>
+              <a:t>14</a:t>
+            </a:fld>
+            <a:endParaRPr lang="en-US"/>
+          </a:p>
+        </p:txBody>
+      </p:sp>
     </p:spTree>
     <p:extLst>
       <p:ext uri="{BB962C8B-B14F-4D97-AF65-F5344CB8AC3E}">
         <p14:creationId xmlns:p14="http://schemas.microsoft.com/office/powerpoint/2010/main" val="206144436"/>
-      </p:ext>
-    </p:extLst>
-  </p:cSld>
-  <p:clrMapOvr>
-    <a:masterClrMapping/>
-  </p:clrMapOvr>
-  <p:timing>
-    <p:tnLst>
-      <p:par>
-        <p:cTn id="1" dur="indefinite" restart="never" nodeType="tmRoot"/>
-      </p:par>
-    </p:tnLst>
-  </p:timing>
-</p:sld>
-</file>
-
-<file path=ppt/slides/slide14.xml><?xml version="1.0" encoding="utf-8"?>
-<p:sld xmlns:a="http://schemas.openxmlformats.org/drawingml/2006/main" xmlns:r="http://schemas.openxmlformats.org/officeDocument/2006/relationships" xmlns:p="http://schemas.openxmlformats.org/presentationml/2006/main">
-  <p:cSld>
-    <p:spTree>
-      <p:nvGrpSpPr>
-        <p:cNvPr id="1" name=""/>
-        <p:cNvGrpSpPr/>
-        <p:nvPr/>
-      </p:nvGrpSpPr>
-      <p:grpSpPr>
-        <a:xfrm>
-          <a:off x="0" y="0"/>
-          <a:ext cx="0" cy="0"/>
-          <a:chOff x="0" y="0"/>
-          <a:chExt cx="0" cy="0"/>
-        </a:xfrm>
-      </p:grpSpPr>
-      <p:sp>
-        <p:nvSpPr>
-          <p:cNvPr id="2" name="Заголовок 1"/>
-          <p:cNvSpPr>
-            <a:spLocks noGrp="1"/>
-          </p:cNvSpPr>
-          <p:nvPr>
-            <p:ph type="title"/>
-          </p:nvPr>
-        </p:nvSpPr>
-        <p:spPr>
-          <a:xfrm>
-            <a:off x="1043490" y="1027664"/>
-            <a:ext cx="7024744" cy="828000"/>
-          </a:xfrm>
-        </p:spPr>
-        <p:txBody>
-          <a:bodyPr/>
-          <a:lstStyle/>
-          <a:p>
-            <a:r>
-              <a:rPr lang="en-US" dirty="0"/>
-              <a:t>3. Experiments</a:t>
-            </a:r>
-            <a:endParaRPr lang="ru-RU" dirty="0"/>
-          </a:p>
-        </p:txBody>
-      </p:sp>
-      <p:pic>
-        <p:nvPicPr>
-          <p:cNvPr id="5" name="Объект 4"/>
-          <p:cNvPicPr>
-            <a:picLocks noGrp="1" noChangeAspect="1"/>
-          </p:cNvPicPr>
-          <p:nvPr>
-            <p:ph idx="1"/>
-          </p:nvPr>
-        </p:nvPicPr>
-        <p:blipFill>
-          <a:blip r:embed="rId2">
-            <a:extLst>
-              <a:ext uri="{28A0092B-C50C-407E-A947-70E740481C1C}">
-                <a14:useLocalDpi xmlns:a14="http://schemas.microsoft.com/office/drawing/2010/main" val="0"/>
-              </a:ext>
-            </a:extLst>
-          </a:blip>
-          <a:stretch>
-            <a:fillRect/>
-          </a:stretch>
-        </p:blipFill>
-        <p:spPr>
-          <a:xfrm>
-            <a:off x="1115616" y="1772816"/>
-            <a:ext cx="6961425" cy="4680520"/>
-          </a:xfrm>
-        </p:spPr>
-      </p:pic>
-    </p:spTree>
-    <p:extLst>
-      <p:ext uri="{BB962C8B-B14F-4D97-AF65-F5344CB8AC3E}">
-        <p14:creationId xmlns:p14="http://schemas.microsoft.com/office/powerpoint/2010/main" val="4143550584"/>
       </p:ext>
     </p:extLst>
   </p:cSld>
@@ -14827,6 +15296,123 @@
           <a:lstStyle/>
           <a:p>
             <a:r>
+              <a:rPr lang="en-US" dirty="0"/>
+              <a:t>3. Experiments</a:t>
+            </a:r>
+            <a:endParaRPr lang="ru-RU" dirty="0"/>
+          </a:p>
+        </p:txBody>
+      </p:sp>
+      <p:pic>
+        <p:nvPicPr>
+          <p:cNvPr id="5" name="Объект 4"/>
+          <p:cNvPicPr>
+            <a:picLocks noGrp="1" noChangeAspect="1"/>
+          </p:cNvPicPr>
+          <p:nvPr>
+            <p:ph idx="1"/>
+          </p:nvPr>
+        </p:nvPicPr>
+        <p:blipFill>
+          <a:blip r:embed="rId2">
+            <a:extLst>
+              <a:ext uri="{28A0092B-C50C-407E-A947-70E740481C1C}">
+                <a14:useLocalDpi xmlns:a14="http://schemas.microsoft.com/office/drawing/2010/main" val="0"/>
+              </a:ext>
+            </a:extLst>
+          </a:blip>
+          <a:stretch>
+            <a:fillRect/>
+          </a:stretch>
+        </p:blipFill>
+        <p:spPr>
+          <a:xfrm>
+            <a:off x="1115616" y="1772816"/>
+            <a:ext cx="6961425" cy="4680520"/>
+          </a:xfrm>
+        </p:spPr>
+      </p:pic>
+      <p:sp>
+        <p:nvSpPr>
+          <p:cNvPr id="3" name="Slide Number Placeholder 2"/>
+          <p:cNvSpPr>
+            <a:spLocks noGrp="1"/>
+          </p:cNvSpPr>
+          <p:nvPr>
+            <p:ph type="sldNum" sz="quarter" idx="12"/>
+          </p:nvPr>
+        </p:nvSpPr>
+        <p:spPr/>
+        <p:txBody>
+          <a:bodyPr/>
+          <a:lstStyle/>
+          <a:p>
+            <a:fld id="{24A4B31A-CDFF-4BC9-A290-18A5B4FA65D6}" type="slidenum">
+              <a:rPr lang="en-US" smtClean="0"/>
+              <a:t>15</a:t>
+            </a:fld>
+            <a:endParaRPr lang="en-US"/>
+          </a:p>
+        </p:txBody>
+      </p:sp>
+    </p:spTree>
+    <p:extLst>
+      <p:ext uri="{BB962C8B-B14F-4D97-AF65-F5344CB8AC3E}">
+        <p14:creationId xmlns:p14="http://schemas.microsoft.com/office/powerpoint/2010/main" val="4143550584"/>
+      </p:ext>
+    </p:extLst>
+  </p:cSld>
+  <p:clrMapOvr>
+    <a:masterClrMapping/>
+  </p:clrMapOvr>
+  <p:timing>
+    <p:tnLst>
+      <p:par>
+        <p:cTn id="1" dur="indefinite" restart="never" nodeType="tmRoot"/>
+      </p:par>
+    </p:tnLst>
+  </p:timing>
+</p:sld>
+</file>
+
+<file path=ppt/slides/slide16.xml><?xml version="1.0" encoding="utf-8"?>
+<p:sld xmlns:a="http://schemas.openxmlformats.org/drawingml/2006/main" xmlns:r="http://schemas.openxmlformats.org/officeDocument/2006/relationships" xmlns:p="http://schemas.openxmlformats.org/presentationml/2006/main">
+  <p:cSld>
+    <p:spTree>
+      <p:nvGrpSpPr>
+        <p:cNvPr id="1" name=""/>
+        <p:cNvGrpSpPr/>
+        <p:nvPr/>
+      </p:nvGrpSpPr>
+      <p:grpSpPr>
+        <a:xfrm>
+          <a:off x="0" y="0"/>
+          <a:ext cx="0" cy="0"/>
+          <a:chOff x="0" y="0"/>
+          <a:chExt cx="0" cy="0"/>
+        </a:xfrm>
+      </p:grpSpPr>
+      <p:sp>
+        <p:nvSpPr>
+          <p:cNvPr id="2" name="Заголовок 1"/>
+          <p:cNvSpPr>
+            <a:spLocks noGrp="1"/>
+          </p:cNvSpPr>
+          <p:nvPr>
+            <p:ph type="title"/>
+          </p:nvPr>
+        </p:nvSpPr>
+        <p:spPr>
+          <a:xfrm>
+            <a:off x="1043490" y="1027664"/>
+            <a:ext cx="7024744" cy="828000"/>
+          </a:xfrm>
+        </p:spPr>
+        <p:txBody>
+          <a:bodyPr/>
+          <a:lstStyle/>
+          <a:p>
+            <a:r>
               <a:rPr lang="en-US" dirty="0" smtClean="0"/>
               <a:t>Conclusion</a:t>
             </a:r>
@@ -14844,39 +15430,75 @@
             <p:ph idx="1"/>
           </p:nvPr>
         </p:nvSpPr>
+        <p:spPr>
+          <a:xfrm>
+            <a:off x="1043492" y="2323652"/>
+            <a:ext cx="6984892" cy="3508977"/>
+          </a:xfrm>
+        </p:spPr>
+        <p:txBody>
+          <a:bodyPr/>
+          <a:lstStyle/>
+          <a:p>
+            <a:endParaRPr lang="en-US" dirty="0" smtClean="0"/>
+          </a:p>
+          <a:p>
+            <a:r>
+              <a:rPr lang="en-US" dirty="0" smtClean="0"/>
+              <a:t>Stable working Android application</a:t>
+            </a:r>
+          </a:p>
+          <a:p>
+            <a:r>
+              <a:rPr lang="en-US" dirty="0" smtClean="0"/>
+              <a:t>Reliable classification results</a:t>
+            </a:r>
+          </a:p>
+          <a:p>
+            <a:r>
+              <a:rPr lang="en-US" dirty="0" smtClean="0"/>
+              <a:t>Reasonable working time</a:t>
+            </a:r>
+          </a:p>
+          <a:p>
+            <a:r>
+              <a:rPr lang="en-US" dirty="0" smtClean="0"/>
+              <a:t>Can be used in </a:t>
+            </a:r>
+            <a:r>
+              <a:rPr lang="en-US" dirty="0" smtClean="0"/>
+              <a:t>the future </a:t>
+            </a:r>
+            <a:r>
+              <a:rPr lang="en-US" dirty="0" smtClean="0"/>
+              <a:t>for psychological research</a:t>
+            </a:r>
+          </a:p>
+          <a:p>
+            <a:endParaRPr lang="ru-RU" dirty="0"/>
+          </a:p>
+        </p:txBody>
+      </p:sp>
+      <p:sp>
+        <p:nvSpPr>
+          <p:cNvPr id="4" name="Slide Number Placeholder 3"/>
+          <p:cNvSpPr>
+            <a:spLocks noGrp="1"/>
+          </p:cNvSpPr>
+          <p:nvPr>
+            <p:ph type="sldNum" sz="quarter" idx="12"/>
+          </p:nvPr>
+        </p:nvSpPr>
         <p:spPr/>
         <p:txBody>
           <a:bodyPr/>
           <a:lstStyle/>
           <a:p>
-            <a:endParaRPr lang="en-US" dirty="0" smtClean="0"/>
-          </a:p>
-          <a:p>
-            <a:r>
-              <a:rPr lang="en-US" dirty="0" smtClean="0"/>
-              <a:t>Stable working Android application</a:t>
-            </a:r>
-          </a:p>
-          <a:p>
-            <a:r>
-              <a:rPr lang="en-US" dirty="0" smtClean="0"/>
-              <a:t>Reliable classification results</a:t>
-            </a:r>
-          </a:p>
-          <a:p>
-            <a:r>
-              <a:rPr lang="en-US" dirty="0" smtClean="0"/>
-              <a:t>Reasonable working time</a:t>
-            </a:r>
-          </a:p>
-          <a:p>
-            <a:r>
-              <a:rPr lang="en-US" dirty="0" smtClean="0"/>
-              <a:t>Can be used in future for psychological research</a:t>
-            </a:r>
-          </a:p>
-          <a:p>
-            <a:endParaRPr lang="ru-RU" dirty="0"/>
+            <a:fld id="{24A4B31A-CDFF-4BC9-A290-18A5B4FA65D6}" type="slidenum">
+              <a:rPr lang="en-US" smtClean="0"/>
+              <a:t>16</a:t>
+            </a:fld>
+            <a:endParaRPr lang="en-US"/>
           </a:p>
         </p:txBody>
       </p:sp>
@@ -14900,7 +15522,7 @@
 </p:sld>
 </file>
 
-<file path=ppt/slides/slide16.xml><?xml version="1.0" encoding="utf-8"?>
+<file path=ppt/slides/slide17.xml><?xml version="1.0" encoding="utf-8"?>
 <p:sld xmlns:a="http://schemas.openxmlformats.org/drawingml/2006/main" xmlns:r="http://schemas.openxmlformats.org/officeDocument/2006/relationships" xmlns:p="http://schemas.openxmlformats.org/presentationml/2006/main">
   <p:cSld>
     <p:spTree>
@@ -14945,6 +15567,29 @@
               <a:t>Thank you for attention</a:t>
             </a:r>
             <a:endParaRPr lang="en-US" dirty="0"/>
+          </a:p>
+        </p:txBody>
+      </p:sp>
+      <p:sp>
+        <p:nvSpPr>
+          <p:cNvPr id="3" name="Slide Number Placeholder 2"/>
+          <p:cNvSpPr>
+            <a:spLocks noGrp="1"/>
+          </p:cNvSpPr>
+          <p:nvPr>
+            <p:ph type="sldNum" sz="quarter" idx="12"/>
+          </p:nvPr>
+        </p:nvSpPr>
+        <p:spPr/>
+        <p:txBody>
+          <a:bodyPr/>
+          <a:lstStyle/>
+          <a:p>
+            <a:fld id="{24A4B31A-CDFF-4BC9-A290-18A5B4FA65D6}" type="slidenum">
+              <a:rPr lang="en-US" smtClean="0"/>
+              <a:t>17</a:t>
+            </a:fld>
+            <a:endParaRPr lang="en-US"/>
           </a:p>
         </p:txBody>
       </p:sp>
@@ -15073,6 +15718,29 @@
           </a:prstGeom>
         </p:spPr>
       </p:pic>
+      <p:sp>
+        <p:nvSpPr>
+          <p:cNvPr id="3" name="Slide Number Placeholder 2"/>
+          <p:cNvSpPr>
+            <a:spLocks noGrp="1"/>
+          </p:cNvSpPr>
+          <p:nvPr>
+            <p:ph type="sldNum" sz="quarter" idx="12"/>
+          </p:nvPr>
+        </p:nvSpPr>
+        <p:spPr/>
+        <p:txBody>
+          <a:bodyPr/>
+          <a:lstStyle/>
+          <a:p>
+            <a:fld id="{24A4B31A-CDFF-4BC9-A290-18A5B4FA65D6}" type="slidenum">
+              <a:rPr lang="en-US" smtClean="0"/>
+              <a:t>2</a:t>
+            </a:fld>
+            <a:endParaRPr lang="en-US"/>
+          </a:p>
+        </p:txBody>
+      </p:sp>
     </p:spTree>
     <p:extLst>
       <p:ext uri="{BB962C8B-B14F-4D97-AF65-F5344CB8AC3E}">
@@ -15181,6 +15849,29 @@
               <a:rPr lang="en-US" dirty="0"/>
               <a:t>Experiments</a:t>
             </a:r>
+          </a:p>
+        </p:txBody>
+      </p:sp>
+      <p:sp>
+        <p:nvSpPr>
+          <p:cNvPr id="4" name="Slide Number Placeholder 3"/>
+          <p:cNvSpPr>
+            <a:spLocks noGrp="1"/>
+          </p:cNvSpPr>
+          <p:nvPr>
+            <p:ph type="sldNum" sz="quarter" idx="12"/>
+          </p:nvPr>
+        </p:nvSpPr>
+        <p:spPr/>
+        <p:txBody>
+          <a:bodyPr/>
+          <a:lstStyle/>
+          <a:p>
+            <a:fld id="{24A4B31A-CDFF-4BC9-A290-18A5B4FA65D6}" type="slidenum">
+              <a:rPr lang="en-US" smtClean="0"/>
+              <a:t>3</a:t>
+            </a:fld>
+            <a:endParaRPr lang="en-US" dirty="0"/>
           </a:p>
         </p:txBody>
       </p:sp>
@@ -15303,6 +15994,29 @@
           </a:p>
         </p:txBody>
       </p:sp>
+      <p:sp>
+        <p:nvSpPr>
+          <p:cNvPr id="4" name="Slide Number Placeholder 3"/>
+          <p:cNvSpPr>
+            <a:spLocks noGrp="1"/>
+          </p:cNvSpPr>
+          <p:nvPr>
+            <p:ph type="sldNum" sz="quarter" idx="12"/>
+          </p:nvPr>
+        </p:nvSpPr>
+        <p:spPr/>
+        <p:txBody>
+          <a:bodyPr/>
+          <a:lstStyle/>
+          <a:p>
+            <a:fld id="{24A4B31A-CDFF-4BC9-A290-18A5B4FA65D6}" type="slidenum">
+              <a:rPr lang="en-US" smtClean="0"/>
+              <a:t>4</a:t>
+            </a:fld>
+            <a:endParaRPr lang="en-US"/>
+          </a:p>
+        </p:txBody>
+      </p:sp>
     </p:spTree>
     <p:extLst>
       <p:ext uri="{BB962C8B-B14F-4D97-AF65-F5344CB8AC3E}">
@@ -15357,6 +16071,147 @@
           </a:xfrm>
         </p:spPr>
         <p:txBody>
+          <a:bodyPr>
+            <a:normAutofit/>
+          </a:bodyPr>
+          <a:lstStyle/>
+          <a:p>
+            <a:r>
+              <a:rPr lang="en-US" dirty="0" smtClean="0"/>
+              <a:t>1. Approach</a:t>
+            </a:r>
+            <a:endParaRPr lang="en-US" dirty="0"/>
+          </a:p>
+        </p:txBody>
+      </p:sp>
+      <p:sp>
+        <p:nvSpPr>
+          <p:cNvPr id="3" name="Content Placeholder 2"/>
+          <p:cNvSpPr>
+            <a:spLocks noGrp="1"/>
+          </p:cNvSpPr>
+          <p:nvPr>
+            <p:ph idx="1"/>
+          </p:nvPr>
+        </p:nvSpPr>
+        <p:spPr/>
+        <p:txBody>
+          <a:bodyPr/>
+          <a:lstStyle/>
+          <a:p>
+            <a:pPr marL="68580" indent="0" algn="just">
+              <a:buNone/>
+            </a:pPr>
+            <a:r>
+              <a:rPr lang="en-US" dirty="0" smtClean="0"/>
+              <a:t>Machine </a:t>
+            </a:r>
+            <a:r>
+              <a:rPr lang="en-US" dirty="0" smtClean="0"/>
+              <a:t>learning techniques:</a:t>
+            </a:r>
+          </a:p>
+          <a:p>
+            <a:pPr algn="just"/>
+            <a:r>
+              <a:rPr lang="en-US" sz="2000" dirty="0" smtClean="0"/>
+              <a:t>k nearest neighbors</a:t>
+            </a:r>
+          </a:p>
+          <a:p>
+            <a:pPr algn="just"/>
+            <a:r>
+              <a:rPr lang="en-US" sz="2000" dirty="0" smtClean="0"/>
+              <a:t>Neural network</a:t>
+            </a:r>
+          </a:p>
+          <a:p>
+            <a:pPr algn="just"/>
+            <a:r>
+              <a:rPr lang="en-US" sz="2000" dirty="0" smtClean="0"/>
+              <a:t>Cross validation</a:t>
+            </a:r>
+            <a:endParaRPr lang="en-US" sz="2000" dirty="0"/>
+          </a:p>
+        </p:txBody>
+      </p:sp>
+      <p:sp>
+        <p:nvSpPr>
+          <p:cNvPr id="4" name="Slide Number Placeholder 3"/>
+          <p:cNvSpPr>
+            <a:spLocks noGrp="1"/>
+          </p:cNvSpPr>
+          <p:nvPr>
+            <p:ph type="sldNum" sz="quarter" idx="12"/>
+          </p:nvPr>
+        </p:nvSpPr>
+        <p:spPr/>
+        <p:txBody>
+          <a:bodyPr/>
+          <a:lstStyle/>
+          <a:p>
+            <a:fld id="{24A4B31A-CDFF-4BC9-A290-18A5B4FA65D6}" type="slidenum">
+              <a:rPr lang="en-US" smtClean="0"/>
+              <a:t>5</a:t>
+            </a:fld>
+            <a:endParaRPr lang="en-US"/>
+          </a:p>
+        </p:txBody>
+      </p:sp>
+    </p:spTree>
+    <p:extLst>
+      <p:ext uri="{BB962C8B-B14F-4D97-AF65-F5344CB8AC3E}">
+        <p14:creationId xmlns:p14="http://schemas.microsoft.com/office/powerpoint/2010/main" val="138946928"/>
+      </p:ext>
+    </p:extLst>
+  </p:cSld>
+  <p:clrMapOvr>
+    <a:masterClrMapping/>
+  </p:clrMapOvr>
+  <p:timing>
+    <p:tnLst>
+      <p:par>
+        <p:cTn id="1" dur="indefinite" restart="never" nodeType="tmRoot"/>
+      </p:par>
+    </p:tnLst>
+  </p:timing>
+</p:sld>
+</file>
+
+<file path=ppt/slides/slide6.xml><?xml version="1.0" encoding="utf-8"?>
+<p:sld xmlns:a="http://schemas.openxmlformats.org/drawingml/2006/main" xmlns:r="http://schemas.openxmlformats.org/officeDocument/2006/relationships" xmlns:p="http://schemas.openxmlformats.org/presentationml/2006/main">
+  <p:cSld>
+    <p:spTree>
+      <p:nvGrpSpPr>
+        <p:cNvPr id="1" name=""/>
+        <p:cNvGrpSpPr/>
+        <p:nvPr/>
+      </p:nvGrpSpPr>
+      <p:grpSpPr>
+        <a:xfrm>
+          <a:off x="0" y="0"/>
+          <a:ext cx="0" cy="0"/>
+          <a:chOff x="0" y="0"/>
+          <a:chExt cx="0" cy="0"/>
+        </a:xfrm>
+      </p:grpSpPr>
+      <p:sp>
+        <p:nvSpPr>
+          <p:cNvPr id="2" name="Title 1"/>
+          <p:cNvSpPr>
+            <a:spLocks noGrp="1"/>
+          </p:cNvSpPr>
+          <p:nvPr>
+            <p:ph type="title"/>
+          </p:nvPr>
+        </p:nvSpPr>
+        <p:spPr>
+          <a:xfrm>
+            <a:off x="1043490" y="1027664"/>
+            <a:ext cx="7024744" cy="828000"/>
+          </a:xfrm>
+        </p:spPr>
+        <p:txBody>
           <a:bodyPr/>
           <a:lstStyle/>
           <a:p>
@@ -15397,6 +16252,29 @@
           </a:xfrm>
         </p:spPr>
       </p:pic>
+      <p:sp>
+        <p:nvSpPr>
+          <p:cNvPr id="3" name="Slide Number Placeholder 2"/>
+          <p:cNvSpPr>
+            <a:spLocks noGrp="1"/>
+          </p:cNvSpPr>
+          <p:nvPr>
+            <p:ph type="sldNum" sz="quarter" idx="12"/>
+          </p:nvPr>
+        </p:nvSpPr>
+        <p:spPr/>
+        <p:txBody>
+          <a:bodyPr/>
+          <a:lstStyle/>
+          <a:p>
+            <a:fld id="{24A4B31A-CDFF-4BC9-A290-18A5B4FA65D6}" type="slidenum">
+              <a:rPr lang="en-US" smtClean="0"/>
+              <a:t>6</a:t>
+            </a:fld>
+            <a:endParaRPr lang="en-US"/>
+          </a:p>
+        </p:txBody>
+      </p:sp>
     </p:spTree>
     <p:extLst>
       <p:ext uri="{BB962C8B-B14F-4D97-AF65-F5344CB8AC3E}">
@@ -15417,7 +16295,7 @@
 </p:sld>
 </file>
 
-<file path=ppt/slides/slide6.xml><?xml version="1.0" encoding="utf-8"?>
+<file path=ppt/slides/slide7.xml><?xml version="1.0" encoding="utf-8"?>
 <p:sld xmlns:a="http://schemas.openxmlformats.org/drawingml/2006/main" xmlns:r="http://schemas.openxmlformats.org/officeDocument/2006/relationships" xmlns:p="http://schemas.openxmlformats.org/presentationml/2006/main">
   <p:cSld>
     <p:spTree>
@@ -15614,103 +16492,33 @@
           </a:prstGeom>
         </p:spPr>
       </p:pic>
+      <p:sp>
+        <p:nvSpPr>
+          <p:cNvPr id="3" name="Slide Number Placeholder 2"/>
+          <p:cNvSpPr>
+            <a:spLocks noGrp="1"/>
+          </p:cNvSpPr>
+          <p:nvPr>
+            <p:ph type="sldNum" sz="quarter" idx="12"/>
+          </p:nvPr>
+        </p:nvSpPr>
+        <p:spPr/>
+        <p:txBody>
+          <a:bodyPr/>
+          <a:lstStyle/>
+          <a:p>
+            <a:fld id="{24A4B31A-CDFF-4BC9-A290-18A5B4FA65D6}" type="slidenum">
+              <a:rPr lang="en-US" smtClean="0"/>
+              <a:t>7</a:t>
+            </a:fld>
+            <a:endParaRPr lang="en-US"/>
+          </a:p>
+        </p:txBody>
+      </p:sp>
     </p:spTree>
     <p:extLst>
       <p:ext uri="{BB962C8B-B14F-4D97-AF65-F5344CB8AC3E}">
         <p14:creationId xmlns:p14="http://schemas.microsoft.com/office/powerpoint/2010/main" val="3483420202"/>
-      </p:ext>
-    </p:extLst>
-  </p:cSld>
-  <p:clrMapOvr>
-    <a:masterClrMapping/>
-  </p:clrMapOvr>
-  <p:timing>
-    <p:tnLst>
-      <p:par>
-        <p:cTn id="1" dur="indefinite" restart="never" nodeType="tmRoot"/>
-      </p:par>
-    </p:tnLst>
-  </p:timing>
-</p:sld>
-</file>
-
-<file path=ppt/slides/slide7.xml><?xml version="1.0" encoding="utf-8"?>
-<p:sld xmlns:a="http://schemas.openxmlformats.org/drawingml/2006/main" xmlns:r="http://schemas.openxmlformats.org/officeDocument/2006/relationships" xmlns:p="http://schemas.openxmlformats.org/presentationml/2006/main">
-  <p:cSld>
-    <p:spTree>
-      <p:nvGrpSpPr>
-        <p:cNvPr id="1" name=""/>
-        <p:cNvGrpSpPr/>
-        <p:nvPr/>
-      </p:nvGrpSpPr>
-      <p:grpSpPr>
-        <a:xfrm>
-          <a:off x="0" y="0"/>
-          <a:ext cx="0" cy="0"/>
-          <a:chOff x="0" y="0"/>
-          <a:chExt cx="0" cy="0"/>
-        </a:xfrm>
-      </p:grpSpPr>
-      <p:sp>
-        <p:nvSpPr>
-          <p:cNvPr id="2" name="Title 1"/>
-          <p:cNvSpPr>
-            <a:spLocks noGrp="1"/>
-          </p:cNvSpPr>
-          <p:nvPr>
-            <p:ph type="title"/>
-          </p:nvPr>
-        </p:nvSpPr>
-        <p:spPr>
-          <a:xfrm>
-            <a:off x="1043490" y="1027664"/>
-            <a:ext cx="7024744" cy="828000"/>
-          </a:xfrm>
-        </p:spPr>
-        <p:txBody>
-          <a:bodyPr/>
-          <a:lstStyle/>
-          <a:p>
-            <a:r>
-              <a:rPr lang="en-US" dirty="0"/>
-              <a:t>2. Implementation</a:t>
-            </a:r>
-          </a:p>
-        </p:txBody>
-      </p:sp>
-      <p:pic>
-        <p:nvPicPr>
-          <p:cNvPr id="4" name="Content Placeholder 3"/>
-          <p:cNvPicPr>
-            <a:picLocks noGrp="1" noChangeAspect="1"/>
-          </p:cNvPicPr>
-          <p:nvPr>
-            <p:ph idx="1"/>
-          </p:nvPr>
-        </p:nvPicPr>
-        <p:blipFill>
-          <a:blip r:embed="rId2">
-            <a:extLst>
-              <a:ext uri="{28A0092B-C50C-407E-A947-70E740481C1C}">
-                <a14:useLocalDpi xmlns:a14="http://schemas.microsoft.com/office/drawing/2010/main" val="0"/>
-              </a:ext>
-            </a:extLst>
-          </a:blip>
-          <a:stretch>
-            <a:fillRect/>
-          </a:stretch>
-        </p:blipFill>
-        <p:spPr>
-          <a:xfrm>
-            <a:off x="827584" y="2852936"/>
-            <a:ext cx="7520379" cy="2582104"/>
-          </a:xfrm>
-        </p:spPr>
-      </p:pic>
-    </p:spTree>
-    <p:extLst>
-      <p:ext uri="{BB962C8B-B14F-4D97-AF65-F5344CB8AC3E}">
-        <p14:creationId xmlns:p14="http://schemas.microsoft.com/office/powerpoint/2010/main" val="4190261130"/>
       </p:ext>
     </p:extLst>
   </p:cSld>
@@ -15773,7 +16581,7 @@
       </p:sp>
       <p:pic>
         <p:nvPicPr>
-          <p:cNvPr id="5" name="Content Placeholder 4"/>
+          <p:cNvPr id="4" name="Content Placeholder 3"/>
           <p:cNvPicPr>
             <a:picLocks noGrp="1" noChangeAspect="1"/>
           </p:cNvPicPr>
@@ -15795,15 +16603,38 @@
         </p:blipFill>
         <p:spPr>
           <a:xfrm>
-            <a:off x="1979712" y="2300016"/>
-            <a:ext cx="5174481" cy="3577256"/>
+            <a:off x="827584" y="2852936"/>
+            <a:ext cx="7520379" cy="2582104"/>
           </a:xfrm>
         </p:spPr>
       </p:pic>
+      <p:sp>
+        <p:nvSpPr>
+          <p:cNvPr id="3" name="Slide Number Placeholder 2"/>
+          <p:cNvSpPr>
+            <a:spLocks noGrp="1"/>
+          </p:cNvSpPr>
+          <p:nvPr>
+            <p:ph type="sldNum" sz="quarter" idx="12"/>
+          </p:nvPr>
+        </p:nvSpPr>
+        <p:spPr/>
+        <p:txBody>
+          <a:bodyPr/>
+          <a:lstStyle/>
+          <a:p>
+            <a:fld id="{24A4B31A-CDFF-4BC9-A290-18A5B4FA65D6}" type="slidenum">
+              <a:rPr lang="en-US" smtClean="0"/>
+              <a:t>8</a:t>
+            </a:fld>
+            <a:endParaRPr lang="en-US"/>
+          </a:p>
+        </p:txBody>
+      </p:sp>
     </p:spTree>
     <p:extLst>
       <p:ext uri="{BB962C8B-B14F-4D97-AF65-F5344CB8AC3E}">
-        <p14:creationId xmlns:p14="http://schemas.microsoft.com/office/powerpoint/2010/main" val="1129676452"/>
+        <p14:creationId xmlns:p14="http://schemas.microsoft.com/office/powerpoint/2010/main" val="4190261130"/>
       </p:ext>
     </p:extLst>
   </p:cSld>
@@ -15866,7 +16697,7 @@
       </p:sp>
       <p:pic>
         <p:nvPicPr>
-          <p:cNvPr id="4" name="Content Placeholder 3"/>
+          <p:cNvPr id="5" name="Content Placeholder 4"/>
           <p:cNvPicPr>
             <a:picLocks noGrp="1" noChangeAspect="1"/>
           </p:cNvPicPr>
@@ -15888,15 +16719,38 @@
         </p:blipFill>
         <p:spPr>
           <a:xfrm>
-            <a:off x="1619672" y="2564904"/>
-            <a:ext cx="5945300" cy="2613486"/>
+            <a:off x="1979712" y="2300016"/>
+            <a:ext cx="5174481" cy="3577256"/>
           </a:xfrm>
         </p:spPr>
       </p:pic>
+      <p:sp>
+        <p:nvSpPr>
+          <p:cNvPr id="3" name="Slide Number Placeholder 2"/>
+          <p:cNvSpPr>
+            <a:spLocks noGrp="1"/>
+          </p:cNvSpPr>
+          <p:nvPr>
+            <p:ph type="sldNum" sz="quarter" idx="12"/>
+          </p:nvPr>
+        </p:nvSpPr>
+        <p:spPr/>
+        <p:txBody>
+          <a:bodyPr/>
+          <a:lstStyle/>
+          <a:p>
+            <a:fld id="{24A4B31A-CDFF-4BC9-A290-18A5B4FA65D6}" type="slidenum">
+              <a:rPr lang="en-US" smtClean="0"/>
+              <a:t>9</a:t>
+            </a:fld>
+            <a:endParaRPr lang="en-US"/>
+          </a:p>
+        </p:txBody>
+      </p:sp>
     </p:spTree>
     <p:extLst>
       <p:ext uri="{BB962C8B-B14F-4D97-AF65-F5344CB8AC3E}">
-        <p14:creationId xmlns:p14="http://schemas.microsoft.com/office/powerpoint/2010/main" val="4133088053"/>
+        <p14:creationId xmlns:p14="http://schemas.microsoft.com/office/powerpoint/2010/main" val="1129676452"/>
       </p:ext>
     </p:extLst>
   </p:cSld>
@@ -16197,4 +17051,289 @@
   <a:objectDefaults/>
   <a:extraClrSchemeLst/>
 </a:theme>
+</file>
+
+<file path=ppt/theme/theme2.xml><?xml version="1.0" encoding="utf-8"?>
+<a:theme xmlns:a="http://schemas.openxmlformats.org/drawingml/2006/main" name="Office Theme">
+  <a:themeElements>
+    <a:clrScheme name="Office">
+      <a:dk1>
+        <a:sysClr val="windowText" lastClr="000000"/>
+      </a:dk1>
+      <a:lt1>
+        <a:sysClr val="window" lastClr="FFFFFF"/>
+      </a:lt1>
+      <a:dk2>
+        <a:srgbClr val="1F497D"/>
+      </a:dk2>
+      <a:lt2>
+        <a:srgbClr val="EEECE1"/>
+      </a:lt2>
+      <a:accent1>
+        <a:srgbClr val="4F81BD"/>
+      </a:accent1>
+      <a:accent2>
+        <a:srgbClr val="C0504D"/>
+      </a:accent2>
+      <a:accent3>
+        <a:srgbClr val="9BBB59"/>
+      </a:accent3>
+      <a:accent4>
+        <a:srgbClr val="8064A2"/>
+      </a:accent4>
+      <a:accent5>
+        <a:srgbClr val="4BACC6"/>
+      </a:accent5>
+      <a:accent6>
+        <a:srgbClr val="F79646"/>
+      </a:accent6>
+      <a:hlink>
+        <a:srgbClr val="0000FF"/>
+      </a:hlink>
+      <a:folHlink>
+        <a:srgbClr val="800080"/>
+      </a:folHlink>
+    </a:clrScheme>
+    <a:fontScheme name="Office">
+      <a:majorFont>
+        <a:latin typeface="Calibri"/>
+        <a:ea typeface=""/>
+        <a:cs typeface=""/>
+        <a:font script="Jpan" typeface="ＭＳ Ｐゴシック"/>
+        <a:font script="Hang" typeface="맑은 고딕"/>
+        <a:font script="Hans" typeface="宋体"/>
+        <a:font script="Hant" typeface="新細明體"/>
+        <a:font script="Arab" typeface="Times New Roman"/>
+        <a:font script="Hebr" typeface="Times New Roman"/>
+        <a:font script="Thai" typeface="Angsana New"/>
+        <a:font script="Ethi" typeface="Nyala"/>
+        <a:font script="Beng" typeface="Vrinda"/>
+        <a:font script="Gujr" typeface="Shruti"/>
+        <a:font script="Khmr" typeface="MoolBoran"/>
+        <a:font script="Knda" typeface="Tunga"/>
+        <a:font script="Guru" typeface="Raavi"/>
+        <a:font script="Cans" typeface="Euphemia"/>
+        <a:font script="Cher" typeface="Plantagenet Cherokee"/>
+        <a:font script="Yiii" typeface="Microsoft Yi Baiti"/>
+        <a:font script="Tibt" typeface="Microsoft Himalaya"/>
+        <a:font script="Thaa" typeface="MV Boli"/>
+        <a:font script="Deva" typeface="Mangal"/>
+        <a:font script="Telu" typeface="Gautami"/>
+        <a:font script="Taml" typeface="Latha"/>
+        <a:font script="Syrc" typeface="Estrangelo Edessa"/>
+        <a:font script="Orya" typeface="Kalinga"/>
+        <a:font script="Mlym" typeface="Kartika"/>
+        <a:font script="Laoo" typeface="DokChampa"/>
+        <a:font script="Sinh" typeface="Iskoola Pota"/>
+        <a:font script="Mong" typeface="Mongolian Baiti"/>
+        <a:font script="Viet" typeface="Times New Roman"/>
+        <a:font script="Uigh" typeface="Microsoft Uighur"/>
+        <a:font script="Geor" typeface="Sylfaen"/>
+      </a:majorFont>
+      <a:minorFont>
+        <a:latin typeface="Calibri"/>
+        <a:ea typeface=""/>
+        <a:cs typeface=""/>
+        <a:font script="Jpan" typeface="ＭＳ Ｐゴシック"/>
+        <a:font script="Hang" typeface="맑은 고딕"/>
+        <a:font script="Hans" typeface="宋体"/>
+        <a:font script="Hant" typeface="新細明體"/>
+        <a:font script="Arab" typeface="Arial"/>
+        <a:font script="Hebr" typeface="Arial"/>
+        <a:font script="Thai" typeface="Cordia New"/>
+        <a:font script="Ethi" typeface="Nyala"/>
+        <a:font script="Beng" typeface="Vrinda"/>
+        <a:font script="Gujr" typeface="Shruti"/>
+        <a:font script="Khmr" typeface="DaunPenh"/>
+        <a:font script="Knda" typeface="Tunga"/>
+        <a:font script="Guru" typeface="Raavi"/>
+        <a:font script="Cans" typeface="Euphemia"/>
+        <a:font script="Cher" typeface="Plantagenet Cherokee"/>
+        <a:font script="Yiii" typeface="Microsoft Yi Baiti"/>
+        <a:font script="Tibt" typeface="Microsoft Himalaya"/>
+        <a:font script="Thaa" typeface="MV Boli"/>
+        <a:font script="Deva" typeface="Mangal"/>
+        <a:font script="Telu" typeface="Gautami"/>
+        <a:font script="Taml" typeface="Latha"/>
+        <a:font script="Syrc" typeface="Estrangelo Edessa"/>
+        <a:font script="Orya" typeface="Kalinga"/>
+        <a:font script="Mlym" typeface="Kartika"/>
+        <a:font script="Laoo" typeface="DokChampa"/>
+        <a:font script="Sinh" typeface="Iskoola Pota"/>
+        <a:font script="Mong" typeface="Mongolian Baiti"/>
+        <a:font script="Viet" typeface="Arial"/>
+        <a:font script="Uigh" typeface="Microsoft Uighur"/>
+        <a:font script="Geor" typeface="Sylfaen"/>
+      </a:minorFont>
+    </a:fontScheme>
+    <a:fmtScheme name="Office">
+      <a:fillStyleLst>
+        <a:solidFill>
+          <a:schemeClr val="phClr"/>
+        </a:solidFill>
+        <a:gradFill rotWithShape="1">
+          <a:gsLst>
+            <a:gs pos="0">
+              <a:schemeClr val="phClr">
+                <a:tint val="50000"/>
+                <a:satMod val="300000"/>
+              </a:schemeClr>
+            </a:gs>
+            <a:gs pos="35000">
+              <a:schemeClr val="phClr">
+                <a:tint val="37000"/>
+                <a:satMod val="300000"/>
+              </a:schemeClr>
+            </a:gs>
+            <a:gs pos="100000">
+              <a:schemeClr val="phClr">
+                <a:tint val="15000"/>
+                <a:satMod val="350000"/>
+              </a:schemeClr>
+            </a:gs>
+          </a:gsLst>
+          <a:lin ang="16200000" scaled="1"/>
+        </a:gradFill>
+        <a:gradFill rotWithShape="1">
+          <a:gsLst>
+            <a:gs pos="0">
+              <a:schemeClr val="phClr">
+                <a:shade val="51000"/>
+                <a:satMod val="130000"/>
+              </a:schemeClr>
+            </a:gs>
+            <a:gs pos="80000">
+              <a:schemeClr val="phClr">
+                <a:shade val="93000"/>
+                <a:satMod val="130000"/>
+              </a:schemeClr>
+            </a:gs>
+            <a:gs pos="100000">
+              <a:schemeClr val="phClr">
+                <a:shade val="94000"/>
+                <a:satMod val="135000"/>
+              </a:schemeClr>
+            </a:gs>
+          </a:gsLst>
+          <a:lin ang="16200000" scaled="0"/>
+        </a:gradFill>
+      </a:fillStyleLst>
+      <a:lnStyleLst>
+        <a:ln w="9525" cap="flat" cmpd="sng" algn="ctr">
+          <a:solidFill>
+            <a:schemeClr val="phClr">
+              <a:shade val="95000"/>
+              <a:satMod val="105000"/>
+            </a:schemeClr>
+          </a:solidFill>
+          <a:prstDash val="solid"/>
+        </a:ln>
+        <a:ln w="25400" cap="flat" cmpd="sng" algn="ctr">
+          <a:solidFill>
+            <a:schemeClr val="phClr"/>
+          </a:solidFill>
+          <a:prstDash val="solid"/>
+        </a:ln>
+        <a:ln w="38100" cap="flat" cmpd="sng" algn="ctr">
+          <a:solidFill>
+            <a:schemeClr val="phClr"/>
+          </a:solidFill>
+          <a:prstDash val="solid"/>
+        </a:ln>
+      </a:lnStyleLst>
+      <a:effectStyleLst>
+        <a:effectStyle>
+          <a:effectLst>
+            <a:outerShdw blurRad="40000" dist="20000" dir="5400000" rotWithShape="0">
+              <a:srgbClr val="000000">
+                <a:alpha val="38000"/>
+              </a:srgbClr>
+            </a:outerShdw>
+          </a:effectLst>
+        </a:effectStyle>
+        <a:effectStyle>
+          <a:effectLst>
+            <a:outerShdw blurRad="40000" dist="23000" dir="5400000" rotWithShape="0">
+              <a:srgbClr val="000000">
+                <a:alpha val="35000"/>
+              </a:srgbClr>
+            </a:outerShdw>
+          </a:effectLst>
+        </a:effectStyle>
+        <a:effectStyle>
+          <a:effectLst>
+            <a:outerShdw blurRad="40000" dist="23000" dir="5400000" rotWithShape="0">
+              <a:srgbClr val="000000">
+                <a:alpha val="35000"/>
+              </a:srgbClr>
+            </a:outerShdw>
+          </a:effectLst>
+          <a:scene3d>
+            <a:camera prst="orthographicFront">
+              <a:rot lat="0" lon="0" rev="0"/>
+            </a:camera>
+            <a:lightRig rig="threePt" dir="t">
+              <a:rot lat="0" lon="0" rev="1200000"/>
+            </a:lightRig>
+          </a:scene3d>
+          <a:sp3d>
+            <a:bevelT w="63500" h="25400"/>
+          </a:sp3d>
+        </a:effectStyle>
+      </a:effectStyleLst>
+      <a:bgFillStyleLst>
+        <a:solidFill>
+          <a:schemeClr val="phClr"/>
+        </a:solidFill>
+        <a:gradFill rotWithShape="1">
+          <a:gsLst>
+            <a:gs pos="0">
+              <a:schemeClr val="phClr">
+                <a:tint val="40000"/>
+                <a:satMod val="350000"/>
+              </a:schemeClr>
+            </a:gs>
+            <a:gs pos="40000">
+              <a:schemeClr val="phClr">
+                <a:tint val="45000"/>
+                <a:shade val="99000"/>
+                <a:satMod val="350000"/>
+              </a:schemeClr>
+            </a:gs>
+            <a:gs pos="100000">
+              <a:schemeClr val="phClr">
+                <a:shade val="20000"/>
+                <a:satMod val="255000"/>
+              </a:schemeClr>
+            </a:gs>
+          </a:gsLst>
+          <a:path path="circle">
+            <a:fillToRect l="50000" t="-80000" r="50000" b="180000"/>
+          </a:path>
+        </a:gradFill>
+        <a:gradFill rotWithShape="1">
+          <a:gsLst>
+            <a:gs pos="0">
+              <a:schemeClr val="phClr">
+                <a:tint val="80000"/>
+                <a:satMod val="300000"/>
+              </a:schemeClr>
+            </a:gs>
+            <a:gs pos="100000">
+              <a:schemeClr val="phClr">
+                <a:shade val="30000"/>
+                <a:satMod val="200000"/>
+              </a:schemeClr>
+            </a:gs>
+          </a:gsLst>
+          <a:path path="circle">
+            <a:fillToRect l="50000" t="50000" r="50000" b="50000"/>
+          </a:path>
+        </a:gradFill>
+      </a:bgFillStyleLst>
+    </a:fmtScheme>
+  </a:themeElements>
+  <a:objectDefaults/>
+  <a:extraClrSchemeLst/>
+</a:theme>
 </file>